--- a/docs/database - vi.pptx
+++ b/docs/database - vi.pptx
@@ -15131,6 +15131,13 @@
   <p:clrMapOvr>
     <a:masterClrMapping/>
   </p:clrMapOvr>
+  <p:timing>
+    <p:tnLst>
+      <p:par>
+        <p:cTn id="1" dur="indefinite" restart="never" nodeType="tmRoot"/>
+      </p:par>
+    </p:tnLst>
+  </p:timing>
 </p:sld>
 </file>
 
@@ -15156,7 +15163,7 @@
           <p:cNvPr id="2" name="Title 1">
             <a:extLst>
               <a:ext uri="{FF2B5EF4-FFF2-40B4-BE49-F238E27FC236}">
-                <a16:creationId xmlns:a16="http://schemas.microsoft.com/office/drawing/2014/main" id="{4616010D-AEDC-4219-B722-591FCE1C2D1D}"/>
+                <a16:creationId xmlns:a16="http://schemas.microsoft.com/office/drawing/2014/main" xmlns="" id="{4616010D-AEDC-4219-B722-591FCE1C2D1D}"/>
               </a:ext>
             </a:extLst>
           </p:cNvPr>
@@ -15189,7 +15196,7 @@
           <p:cNvPr id="3" name="Text Placeholder 2">
             <a:extLst>
               <a:ext uri="{FF2B5EF4-FFF2-40B4-BE49-F238E27FC236}">
-                <a16:creationId xmlns:a16="http://schemas.microsoft.com/office/drawing/2014/main" id="{E89E1504-A5DB-4A6B-9ACB-0AF9ECB52349}"/>
+                <a16:creationId xmlns:a16="http://schemas.microsoft.com/office/drawing/2014/main" xmlns="" id="{E89E1504-A5DB-4A6B-9ACB-0AF9ECB52349}"/>
               </a:ext>
             </a:extLst>
           </p:cNvPr>
@@ -15279,7 +15286,7 @@
           <p:cNvPr id="4" name="Picture 3">
             <a:extLst>
               <a:ext uri="{FF2B5EF4-FFF2-40B4-BE49-F238E27FC236}">
-                <a16:creationId xmlns:a16="http://schemas.microsoft.com/office/drawing/2014/main" id="{EA89ABDE-3432-4532-B6CF-641EA3F44C55}"/>
+                <a16:creationId xmlns:a16="http://schemas.microsoft.com/office/drawing/2014/main" xmlns="" id="{EA89ABDE-3432-4532-B6CF-641EA3F44C55}"/>
               </a:ext>
             </a:extLst>
           </p:cNvPr>
@@ -15314,6 +15321,13 @@
   <p:clrMapOvr>
     <a:masterClrMapping/>
   </p:clrMapOvr>
+  <p:timing>
+    <p:tnLst>
+      <p:par>
+        <p:cTn id="1" dur="indefinite" restart="never" nodeType="tmRoot"/>
+      </p:par>
+    </p:tnLst>
+  </p:timing>
 </p:sld>
 </file>
 
@@ -15339,7 +15353,7 @@
           <p:cNvPr id="2" name="Title 1">
             <a:extLst>
               <a:ext uri="{FF2B5EF4-FFF2-40B4-BE49-F238E27FC236}">
-                <a16:creationId xmlns:a16="http://schemas.microsoft.com/office/drawing/2014/main" id="{6044D912-DDD7-4691-BB39-3739F92A061E}"/>
+                <a16:creationId xmlns:a16="http://schemas.microsoft.com/office/drawing/2014/main" xmlns="" id="{6044D912-DDD7-4691-BB39-3739F92A061E}"/>
               </a:ext>
             </a:extLst>
           </p:cNvPr>
@@ -15368,7 +15382,7 @@
           <p:cNvPr id="3" name="Text Placeholder 2">
             <a:extLst>
               <a:ext uri="{FF2B5EF4-FFF2-40B4-BE49-F238E27FC236}">
-                <a16:creationId xmlns:a16="http://schemas.microsoft.com/office/drawing/2014/main" id="{EC6F39E8-9DEC-4E76-B3AB-1747C058CBF7}"/>
+                <a16:creationId xmlns:a16="http://schemas.microsoft.com/office/drawing/2014/main" xmlns="" id="{EC6F39E8-9DEC-4E76-B3AB-1747C058CBF7}"/>
               </a:ext>
             </a:extLst>
           </p:cNvPr>
@@ -15418,7 +15432,7 @@
           <p:cNvPr id="4" name="Picture 3">
             <a:extLst>
               <a:ext uri="{FF2B5EF4-FFF2-40B4-BE49-F238E27FC236}">
-                <a16:creationId xmlns:a16="http://schemas.microsoft.com/office/drawing/2014/main" id="{3BC97525-BCDB-42D2-ACF0-772E37A2DD10}"/>
+                <a16:creationId xmlns:a16="http://schemas.microsoft.com/office/drawing/2014/main" xmlns="" id="{3BC97525-BCDB-42D2-ACF0-772E37A2DD10}"/>
               </a:ext>
             </a:extLst>
           </p:cNvPr>
@@ -15453,6 +15467,13 @@
   <p:clrMapOvr>
     <a:masterClrMapping/>
   </p:clrMapOvr>
+  <p:timing>
+    <p:tnLst>
+      <p:par>
+        <p:cTn id="1" dur="indefinite" restart="never" nodeType="tmRoot"/>
+      </p:par>
+    </p:tnLst>
+  </p:timing>
 </p:sld>
 </file>
 
@@ -15478,7 +15499,7 @@
           <p:cNvPr id="2" name="Title 1">
             <a:extLst>
               <a:ext uri="{FF2B5EF4-FFF2-40B4-BE49-F238E27FC236}">
-                <a16:creationId xmlns:a16="http://schemas.microsoft.com/office/drawing/2014/main" id="{71852B1A-59EB-4858-9C28-1C6DD2DF6FC6}"/>
+                <a16:creationId xmlns:a16="http://schemas.microsoft.com/office/drawing/2014/main" xmlns="" id="{71852B1A-59EB-4858-9C28-1C6DD2DF6FC6}"/>
               </a:ext>
             </a:extLst>
           </p:cNvPr>
@@ -15516,7 +15537,7 @@
           <p:cNvPr id="3" name="Text Placeholder 2">
             <a:extLst>
               <a:ext uri="{FF2B5EF4-FFF2-40B4-BE49-F238E27FC236}">
-                <a16:creationId xmlns:a16="http://schemas.microsoft.com/office/drawing/2014/main" id="{2BE1FE44-90C2-4D3C-BFF5-55335BA3F82B}"/>
+                <a16:creationId xmlns:a16="http://schemas.microsoft.com/office/drawing/2014/main" xmlns="" id="{2BE1FE44-90C2-4D3C-BFF5-55335BA3F82B}"/>
               </a:ext>
             </a:extLst>
           </p:cNvPr>
@@ -15595,7 +15616,7 @@
           <p:cNvPr id="4" name="Rectangle 1">
             <a:extLst>
               <a:ext uri="{FF2B5EF4-FFF2-40B4-BE49-F238E27FC236}">
-                <a16:creationId xmlns:a16="http://schemas.microsoft.com/office/drawing/2014/main" id="{C171F961-4F58-4F5D-BD55-A4FC07A5D8DD}"/>
+                <a16:creationId xmlns:a16="http://schemas.microsoft.com/office/drawing/2014/main" xmlns="" id="{C171F961-4F58-4F5D-BD55-A4FC07A5D8DD}"/>
               </a:ext>
             </a:extLst>
           </p:cNvPr>
@@ -15953,7 +15974,7 @@
           <p:cNvPr id="6" name="Rectangle 1">
             <a:extLst>
               <a:ext uri="{FF2B5EF4-FFF2-40B4-BE49-F238E27FC236}">
-                <a16:creationId xmlns:a16="http://schemas.microsoft.com/office/drawing/2014/main" id="{673C4EFC-DF63-4593-AF9E-ED63142E9FBD}"/>
+                <a16:creationId xmlns:a16="http://schemas.microsoft.com/office/drawing/2014/main" xmlns="" id="{673C4EFC-DF63-4593-AF9E-ED63142E9FBD}"/>
               </a:ext>
             </a:extLst>
           </p:cNvPr>
@@ -16050,6 +16071,19 @@
               </a:rPr>
               <a:t>table_name</a:t>
             </a:r>
+            <a:r>
+              <a:rPr kumimoji="0" lang="en-US" altLang="en-US" sz="1600" b="0" i="0" u="none" strike="noStrike" cap="none" normalizeH="0" baseline="0" dirty="0">
+                <a:ln>
+                  <a:noFill/>
+                </a:ln>
+                <a:solidFill>
+                  <a:srgbClr val="CC7832"/>
+                </a:solidFill>
+                <a:effectLst/>
+                <a:latin typeface="Consolas" panose="020B0609020204030204" pitchFamily="49" charset="0"/>
+              </a:rPr>
+              <a:t/>
+            </a:r>
             <a:br>
               <a:rPr kumimoji="0" lang="en-US" altLang="en-US" sz="1600" b="0" i="0" u="none" strike="noStrike" cap="none" normalizeH="0" baseline="0" dirty="0">
                 <a:ln>
@@ -16145,7 +16179,7 @@
           <p:cNvPr id="7" name="Rectangle 2">
             <a:extLst>
               <a:ext uri="{FF2B5EF4-FFF2-40B4-BE49-F238E27FC236}">
-                <a16:creationId xmlns:a16="http://schemas.microsoft.com/office/drawing/2014/main" id="{C97B89FD-AEE3-4084-B26C-381FFA3AB4D0}"/>
+                <a16:creationId xmlns:a16="http://schemas.microsoft.com/office/drawing/2014/main" xmlns="" id="{C97B89FD-AEE3-4084-B26C-381FFA3AB4D0}"/>
               </a:ext>
             </a:extLst>
           </p:cNvPr>
@@ -16278,6 +16312,13 @@
   <p:clrMapOvr>
     <a:masterClrMapping/>
   </p:clrMapOvr>
+  <p:timing>
+    <p:tnLst>
+      <p:par>
+        <p:cTn id="1" dur="indefinite" restart="never" nodeType="tmRoot"/>
+      </p:par>
+    </p:tnLst>
+  </p:timing>
 </p:sld>
 </file>
 
@@ -16411,6 +16452,10 @@
               </a:rPr>
               <a:t>index_name</a:t>
             </a:r>
+            <a:r>
+              <a:rPr lang="en-US" dirty="0"/>
+              <a:t/>
+            </a:r>
             <a:br>
               <a:rPr lang="en-US" dirty="0"/>
             </a:br>
@@ -16551,6 +16596,10 @@
                 <a:latin typeface="Consolas" panose="020B0609020204030204" pitchFamily="49" charset="0"/>
               </a:rPr>
               <a:t>idx_pname</a:t>
+            </a:r>
+            <a:r>
+              <a:rPr lang="en-US" dirty="0"/>
+              <a:t/>
             </a:r>
             <a:br>
               <a:rPr lang="en-US" dirty="0"/>
@@ -16623,6 +16672,13 @@
   <p:clrMapOvr>
     <a:masterClrMapping/>
   </p:clrMapOvr>
+  <p:timing>
+    <p:tnLst>
+      <p:par>
+        <p:cTn id="1" dur="indefinite" restart="never" nodeType="tmRoot"/>
+      </p:par>
+    </p:tnLst>
+  </p:timing>
 </p:sld>
 </file>
 
@@ -16648,7 +16704,7 @@
           <p:cNvPr id="2" name="Title 1">
             <a:extLst>
               <a:ext uri="{FF2B5EF4-FFF2-40B4-BE49-F238E27FC236}">
-                <a16:creationId xmlns:a16="http://schemas.microsoft.com/office/drawing/2014/main" id="{09A271D5-E104-4DCB-B957-A4FBB23B26BE}"/>
+                <a16:creationId xmlns:a16="http://schemas.microsoft.com/office/drawing/2014/main" xmlns="" id="{09A271D5-E104-4DCB-B957-A4FBB23B26BE}"/>
               </a:ext>
             </a:extLst>
           </p:cNvPr>
@@ -16676,7 +16732,7 @@
           <p:cNvPr id="3" name="Text Placeholder 2">
             <a:extLst>
               <a:ext uri="{FF2B5EF4-FFF2-40B4-BE49-F238E27FC236}">
-                <a16:creationId xmlns:a16="http://schemas.microsoft.com/office/drawing/2014/main" id="{52CF2E1D-8E76-423C-82A1-61D2021EC97C}"/>
+                <a16:creationId xmlns:a16="http://schemas.microsoft.com/office/drawing/2014/main" xmlns="" id="{52CF2E1D-8E76-423C-82A1-61D2021EC97C}"/>
               </a:ext>
             </a:extLst>
           </p:cNvPr>
@@ -16789,6 +16845,13 @@
   <p:clrMapOvr>
     <a:masterClrMapping/>
   </p:clrMapOvr>
+  <p:timing>
+    <p:tnLst>
+      <p:par>
+        <p:cTn id="1" dur="indefinite" restart="never" nodeType="tmRoot"/>
+      </p:par>
+    </p:tnLst>
+  </p:timing>
 </p:sld>
 </file>
 
@@ -17143,7 +17206,7 @@
           <p:cNvPr id="5" name="Rectangle 1">
             <a:extLst>
               <a:ext uri="{FF2B5EF4-FFF2-40B4-BE49-F238E27FC236}">
-                <a16:creationId xmlns:a16="http://schemas.microsoft.com/office/drawing/2014/main" id="{1FD4F09B-28BD-4636-AB44-462905190B81}"/>
+                <a16:creationId xmlns:a16="http://schemas.microsoft.com/office/drawing/2014/main" xmlns="" id="{1FD4F09B-28BD-4636-AB44-462905190B81}"/>
               </a:ext>
             </a:extLst>
           </p:cNvPr>
@@ -17400,7 +17463,7 @@
           <p:cNvPr id="6" name="Rectangle 2">
             <a:extLst>
               <a:ext uri="{FF2B5EF4-FFF2-40B4-BE49-F238E27FC236}">
-                <a16:creationId xmlns:a16="http://schemas.microsoft.com/office/drawing/2014/main" id="{A82D17AD-7D3B-4F6C-B231-E4E33CB94204}"/>
+                <a16:creationId xmlns:a16="http://schemas.microsoft.com/office/drawing/2014/main" xmlns="" id="{A82D17AD-7D3B-4F6C-B231-E4E33CB94204}"/>
               </a:ext>
             </a:extLst>
           </p:cNvPr>
@@ -17558,6 +17621,13 @@
   <p:clrMapOvr>
     <a:masterClrMapping/>
   </p:clrMapOvr>
+  <p:timing>
+    <p:tnLst>
+      <p:par>
+        <p:cTn id="1" dur="indefinite" restart="never" nodeType="tmRoot"/>
+      </p:par>
+    </p:tnLst>
+  </p:timing>
 </p:sld>
 </file>
 
@@ -17583,7 +17653,7 @@
           <p:cNvPr id="2" name="Title 1">
             <a:extLst>
               <a:ext uri="{FF2B5EF4-FFF2-40B4-BE49-F238E27FC236}">
-                <a16:creationId xmlns:a16="http://schemas.microsoft.com/office/drawing/2014/main" id="{FE361A72-EF10-4766-995A-B032C7B8D62A}"/>
+                <a16:creationId xmlns:a16="http://schemas.microsoft.com/office/drawing/2014/main" xmlns="" id="{FE361A72-EF10-4766-995A-B032C7B8D62A}"/>
               </a:ext>
             </a:extLst>
           </p:cNvPr>
@@ -17621,7 +17691,7 @@
           <p:cNvPr id="3" name="Text Placeholder 2">
             <a:extLst>
               <a:ext uri="{FF2B5EF4-FFF2-40B4-BE49-F238E27FC236}">
-                <a16:creationId xmlns:a16="http://schemas.microsoft.com/office/drawing/2014/main" id="{EF5EAF4A-1F07-4DFF-BD75-8B9C5A926B31}"/>
+                <a16:creationId xmlns:a16="http://schemas.microsoft.com/office/drawing/2014/main" xmlns="" id="{EF5EAF4A-1F07-4DFF-BD75-8B9C5A926B31}"/>
               </a:ext>
             </a:extLst>
           </p:cNvPr>
@@ -17683,7 +17753,7 @@
           <p:cNvPr id="5" name="Rectangle 2">
             <a:extLst>
               <a:ext uri="{FF2B5EF4-FFF2-40B4-BE49-F238E27FC236}">
-                <a16:creationId xmlns:a16="http://schemas.microsoft.com/office/drawing/2014/main" id="{CF536D12-8ADD-47A3-8F8C-0A3E2075D1F8}"/>
+                <a16:creationId xmlns:a16="http://schemas.microsoft.com/office/drawing/2014/main" xmlns="" id="{CF536D12-8ADD-47A3-8F8C-0A3E2075D1F8}"/>
               </a:ext>
             </a:extLst>
           </p:cNvPr>
@@ -18057,7 +18127,7 @@
           <p:cNvPr id="6" name="Rectangle 3">
             <a:extLst>
               <a:ext uri="{FF2B5EF4-FFF2-40B4-BE49-F238E27FC236}">
-                <a16:creationId xmlns:a16="http://schemas.microsoft.com/office/drawing/2014/main" id="{E99C9779-67D5-499E-8DA8-4C3C3476E88F}"/>
+                <a16:creationId xmlns:a16="http://schemas.microsoft.com/office/drawing/2014/main" xmlns="" id="{E99C9779-67D5-499E-8DA8-4C3C3476E88F}"/>
               </a:ext>
             </a:extLst>
           </p:cNvPr>
@@ -18361,6 +18431,19 @@
               </a:rPr>
               <a:t>columnN</a:t>
             </a:r>
+            <a:r>
+              <a:rPr kumimoji="0" lang="en-US" altLang="en-US" sz="900" b="0" i="0" u="none" strike="noStrike" cap="none" normalizeH="0" baseline="0" dirty="0">
+                <a:ln>
+                  <a:noFill/>
+                </a:ln>
+                <a:solidFill>
+                  <a:srgbClr val="A9B7C6"/>
+                </a:solidFill>
+                <a:effectLst/>
+                <a:latin typeface="Consolas" panose="020B0609020204030204" pitchFamily="49" charset="0"/>
+              </a:rPr>
+              <a:t/>
+            </a:r>
             <a:br>
               <a:rPr kumimoji="0" lang="en-US" altLang="en-US" sz="900" b="0" i="0" u="none" strike="noStrike" cap="none" normalizeH="0" baseline="0" dirty="0">
                 <a:ln>
@@ -18411,6 +18494,19 @@
                 <a:latin typeface="Consolas" panose="020B0609020204030204" pitchFamily="49" charset="0"/>
               </a:rPr>
               <a:t>second_table_name</a:t>
+            </a:r>
+            <a:r>
+              <a:rPr kumimoji="0" lang="en-US" altLang="en-US" sz="900" b="0" i="0" u="none" strike="noStrike" cap="none" normalizeH="0" baseline="0" dirty="0">
+                <a:ln>
+                  <a:noFill/>
+                </a:ln>
+                <a:solidFill>
+                  <a:srgbClr val="A9B7C6"/>
+                </a:solidFill>
+                <a:effectLst/>
+                <a:latin typeface="Consolas" panose="020B0609020204030204" pitchFamily="49" charset="0"/>
+              </a:rPr>
+              <a:t/>
             </a:r>
             <a:br>
               <a:rPr kumimoji="0" lang="en-US" altLang="en-US" sz="900" b="0" i="0" u="none" strike="noStrike" cap="none" normalizeH="0" baseline="0" dirty="0">
@@ -18499,6 +18595,13 @@
   <p:clrMapOvr>
     <a:masterClrMapping/>
   </p:clrMapOvr>
+  <p:timing>
+    <p:tnLst>
+      <p:par>
+        <p:cTn id="1" dur="indefinite" restart="never" nodeType="tmRoot"/>
+      </p:par>
+    </p:tnLst>
+  </p:timing>
 </p:sld>
 </file>
 
@@ -18524,7 +18627,7 @@
           <p:cNvPr id="2" name="Title 1">
             <a:extLst>
               <a:ext uri="{FF2B5EF4-FFF2-40B4-BE49-F238E27FC236}">
-                <a16:creationId xmlns:a16="http://schemas.microsoft.com/office/drawing/2014/main" id="{728B1DDF-8627-4830-A803-E5E94433D0A0}"/>
+                <a16:creationId xmlns:a16="http://schemas.microsoft.com/office/drawing/2014/main" xmlns="" id="{728B1DDF-8627-4830-A803-E5E94433D0A0}"/>
               </a:ext>
             </a:extLst>
           </p:cNvPr>
@@ -18562,7 +18665,7 @@
           <p:cNvPr id="3" name="Text Placeholder 2">
             <a:extLst>
               <a:ext uri="{FF2B5EF4-FFF2-40B4-BE49-F238E27FC236}">
-                <a16:creationId xmlns:a16="http://schemas.microsoft.com/office/drawing/2014/main" id="{A9AF62C8-E197-4B89-892C-048A0F817D1D}"/>
+                <a16:creationId xmlns:a16="http://schemas.microsoft.com/office/drawing/2014/main" xmlns="" id="{A9AF62C8-E197-4B89-892C-048A0F817D1D}"/>
               </a:ext>
             </a:extLst>
           </p:cNvPr>
@@ -18642,7 +18745,7 @@
           <p:cNvPr id="4" name="Rectangle 1">
             <a:extLst>
               <a:ext uri="{FF2B5EF4-FFF2-40B4-BE49-F238E27FC236}">
-                <a16:creationId xmlns:a16="http://schemas.microsoft.com/office/drawing/2014/main" id="{856EC94C-76E0-4559-AF0A-437FB4ABBD97}"/>
+                <a16:creationId xmlns:a16="http://schemas.microsoft.com/office/drawing/2014/main" xmlns="" id="{856EC94C-76E0-4559-AF0A-437FB4ABBD97}"/>
               </a:ext>
             </a:extLst>
           </p:cNvPr>
@@ -18739,6 +18842,19 @@
               </a:rPr>
               <a:t>table_name</a:t>
             </a:r>
+            <a:r>
+              <a:rPr kumimoji="0" lang="en-US" altLang="en-US" sz="900" b="0" i="0" u="none" strike="noStrike" cap="none" normalizeH="0" baseline="0" dirty="0">
+                <a:ln>
+                  <a:noFill/>
+                </a:ln>
+                <a:solidFill>
+                  <a:srgbClr val="CC7832"/>
+                </a:solidFill>
+                <a:effectLst/>
+                <a:latin typeface="Consolas" panose="020B0609020204030204" pitchFamily="49" charset="0"/>
+              </a:rPr>
+              <a:t/>
+            </a:r>
             <a:br>
               <a:rPr kumimoji="0" lang="en-US" altLang="en-US" sz="900" b="0" i="0" u="none" strike="noStrike" cap="none" normalizeH="0" baseline="0" dirty="0">
                 <a:ln>
@@ -18854,6 +18970,19 @@
                 <a:latin typeface="Consolas" panose="020B0609020204030204" pitchFamily="49" charset="0"/>
               </a:rPr>
               <a:t>valueN</a:t>
+            </a:r>
+            <a:r>
+              <a:rPr kumimoji="0" lang="en-US" altLang="en-US" sz="900" b="0" i="0" u="none" strike="noStrike" cap="none" normalizeH="0" baseline="0" dirty="0">
+                <a:ln>
+                  <a:noFill/>
+                </a:ln>
+                <a:solidFill>
+                  <a:srgbClr val="A9B7C6"/>
+                </a:solidFill>
+                <a:effectLst/>
+                <a:latin typeface="Consolas" panose="020B0609020204030204" pitchFamily="49" charset="0"/>
+              </a:rPr>
+              <a:t/>
             </a:r>
             <a:br>
               <a:rPr kumimoji="0" lang="en-US" altLang="en-US" sz="900" b="0" i="0" u="none" strike="noStrike" cap="none" normalizeH="0" baseline="0" dirty="0">
@@ -18924,7 +19053,7 @@
           <p:cNvPr id="5" name="Rectangle 1">
             <a:extLst>
               <a:ext uri="{FF2B5EF4-FFF2-40B4-BE49-F238E27FC236}">
-                <a16:creationId xmlns:a16="http://schemas.microsoft.com/office/drawing/2014/main" id="{0EB568F5-6FF1-4934-B1DF-3237E026DCC5}"/>
+                <a16:creationId xmlns:a16="http://schemas.microsoft.com/office/drawing/2014/main" xmlns="" id="{0EB568F5-6FF1-4934-B1DF-3237E026DCC5}"/>
               </a:ext>
             </a:extLst>
           </p:cNvPr>
@@ -19021,6 +19150,19 @@
               </a:rPr>
               <a:t>table_name</a:t>
             </a:r>
+            <a:r>
+              <a:rPr kumimoji="0" lang="en-US" altLang="en-US" sz="900" b="0" i="0" u="none" strike="noStrike" cap="none" normalizeH="0" baseline="0" dirty="0">
+                <a:ln>
+                  <a:noFill/>
+                </a:ln>
+                <a:solidFill>
+                  <a:srgbClr val="CC7832"/>
+                </a:solidFill>
+                <a:effectLst/>
+                <a:latin typeface="Consolas" panose="020B0609020204030204" pitchFamily="49" charset="0"/>
+              </a:rPr>
+              <a:t/>
+            </a:r>
             <a:br>
               <a:rPr kumimoji="0" lang="en-US" altLang="en-US" sz="900" b="0" i="0" u="none" strike="noStrike" cap="none" normalizeH="0" baseline="0" dirty="0">
                 <a:ln>
@@ -19095,6 +19237,13 @@
   <p:clrMapOvr>
     <a:masterClrMapping/>
   </p:clrMapOvr>
+  <p:timing>
+    <p:tnLst>
+      <p:par>
+        <p:cTn id="1" dur="indefinite" restart="never" nodeType="tmRoot"/>
+      </p:par>
+    </p:tnLst>
+  </p:timing>
 </p:sld>
 </file>
 
@@ -19120,7 +19269,7 @@
           <p:cNvPr id="2" name="Title 1">
             <a:extLst>
               <a:ext uri="{FF2B5EF4-FFF2-40B4-BE49-F238E27FC236}">
-                <a16:creationId xmlns:a16="http://schemas.microsoft.com/office/drawing/2014/main" id="{80778420-8E92-41B2-9A89-196137FB6045}"/>
+                <a16:creationId xmlns:a16="http://schemas.microsoft.com/office/drawing/2014/main" xmlns="" id="{80778420-8E92-41B2-9A89-196137FB6045}"/>
               </a:ext>
             </a:extLst>
           </p:cNvPr>
@@ -19158,7 +19307,7 @@
           <p:cNvPr id="3" name="Text Placeholder 2">
             <a:extLst>
               <a:ext uri="{FF2B5EF4-FFF2-40B4-BE49-F238E27FC236}">
-                <a16:creationId xmlns:a16="http://schemas.microsoft.com/office/drawing/2014/main" id="{AB2F1184-EEBD-4494-A336-E79259E5AA63}"/>
+                <a16:creationId xmlns:a16="http://schemas.microsoft.com/office/drawing/2014/main" xmlns="" id="{AB2F1184-EEBD-4494-A336-E79259E5AA63}"/>
               </a:ext>
             </a:extLst>
           </p:cNvPr>
@@ -19219,7 +19368,7 @@
           <p:cNvPr id="4" name="Rectangle 1">
             <a:extLst>
               <a:ext uri="{FF2B5EF4-FFF2-40B4-BE49-F238E27FC236}">
-                <a16:creationId xmlns:a16="http://schemas.microsoft.com/office/drawing/2014/main" id="{E3148BF0-5625-4D04-8BD8-AFF45E4B0193}"/>
+                <a16:creationId xmlns:a16="http://schemas.microsoft.com/office/drawing/2014/main" xmlns="" id="{E3148BF0-5625-4D04-8BD8-AFF45E4B0193}"/>
               </a:ext>
             </a:extLst>
           </p:cNvPr>
@@ -19355,6 +19504,19 @@
               </a:rPr>
               <a:t>columnN</a:t>
             </a:r>
+            <a:r>
+              <a:rPr kumimoji="0" lang="en-US" altLang="en-US" sz="900" b="0" i="0" u="none" strike="noStrike" cap="none" normalizeH="0" baseline="0" dirty="0">
+                <a:ln>
+                  <a:noFill/>
+                </a:ln>
+                <a:solidFill>
+                  <a:srgbClr val="A9B7C6"/>
+                </a:solidFill>
+                <a:effectLst/>
+                <a:latin typeface="Consolas" panose="020B0609020204030204" pitchFamily="49" charset="0"/>
+              </a:rPr>
+              <a:t/>
+            </a:r>
             <a:br>
               <a:rPr kumimoji="0" lang="en-US" altLang="en-US" sz="900" b="0" i="0" u="none" strike="noStrike" cap="none" normalizeH="0" baseline="0" dirty="0">
                 <a:ln>
@@ -19392,6 +19554,19 @@
                 <a:latin typeface="Consolas" panose="020B0609020204030204" pitchFamily="49" charset="0"/>
               </a:rPr>
               <a:t>table_name</a:t>
+            </a:r>
+            <a:r>
+              <a:rPr kumimoji="0" lang="en-US" altLang="en-US" sz="900" b="0" i="0" u="none" strike="noStrike" cap="none" normalizeH="0" baseline="0" dirty="0">
+                <a:ln>
+                  <a:noFill/>
+                </a:ln>
+                <a:solidFill>
+                  <a:srgbClr val="CC7832"/>
+                </a:solidFill>
+                <a:effectLst/>
+                <a:latin typeface="Consolas" panose="020B0609020204030204" pitchFamily="49" charset="0"/>
+              </a:rPr>
+              <a:t/>
             </a:r>
             <a:br>
               <a:rPr kumimoji="0" lang="en-US" altLang="en-US" sz="900" b="0" i="0" u="none" strike="noStrike" cap="none" normalizeH="0" baseline="0" dirty="0">
@@ -19467,6 +19642,13 @@
   <p:clrMapOvr>
     <a:masterClrMapping/>
   </p:clrMapOvr>
+  <p:timing>
+    <p:tnLst>
+      <p:par>
+        <p:cTn id="1" dur="indefinite" restart="never" nodeType="tmRoot"/>
+      </p:par>
+    </p:tnLst>
+  </p:timing>
 </p:sld>
 </file>
 
@@ -19596,6 +19778,10 @@
               </a:rPr>
               <a:t> column2, ...</a:t>
             </a:r>
+            <a:r>
+              <a:rPr lang="en-US" dirty="0"/>
+              <a:t/>
+            </a:r>
             <a:br>
               <a:rPr lang="en-US" dirty="0"/>
             </a:br>
@@ -19625,6 +19811,10 @@
                 <a:latin typeface="Consolas" panose="020B0609020204030204" pitchFamily="49" charset="0"/>
               </a:rPr>
               <a:t>table_name</a:t>
+            </a:r>
+            <a:r>
+              <a:rPr lang="en-US" dirty="0"/>
+              <a:t/>
             </a:r>
             <a:br>
               <a:rPr lang="en-US" dirty="0"/>
@@ -19726,6 +19916,13 @@
   <p:clrMapOvr>
     <a:masterClrMapping/>
   </p:clrMapOvr>
+  <p:timing>
+    <p:tnLst>
+      <p:par>
+        <p:cTn id="1" dur="indefinite" restart="never" nodeType="tmRoot"/>
+      </p:par>
+    </p:tnLst>
+  </p:timing>
 </p:sld>
 </file>
 
@@ -20017,6 +20214,13 @@
   <p:clrMapOvr>
     <a:masterClrMapping/>
   </p:clrMapOvr>
+  <p:timing>
+    <p:tnLst>
+      <p:par>
+        <p:cTn id="1" dur="indefinite" restart="never" nodeType="tmRoot"/>
+      </p:par>
+    </p:tnLst>
+  </p:timing>
 </p:sld>
 </file>
 
@@ -20146,6 +20350,10 @@
               </a:rPr>
               <a:t>(s)</a:t>
             </a:r>
+            <a:r>
+              <a:rPr lang="en-US" dirty="0"/>
+              <a:t/>
+            </a:r>
             <a:br>
               <a:rPr lang="en-US" dirty="0"/>
             </a:br>
@@ -20176,6 +20384,10 @@
               </a:rPr>
               <a:t>table_name</a:t>
             </a:r>
+            <a:r>
+              <a:rPr lang="en-US" dirty="0"/>
+              <a:t/>
+            </a:r>
             <a:br>
               <a:rPr lang="en-US" dirty="0"/>
             </a:br>
@@ -20205,6 +20417,10 @@
                 <a:latin typeface="Consolas" panose="020B0609020204030204" pitchFamily="49" charset="0"/>
               </a:rPr>
               <a:t>condition</a:t>
+            </a:r>
+            <a:r>
+              <a:rPr lang="en-US" dirty="0"/>
+              <a:t/>
             </a:r>
             <a:br>
               <a:rPr lang="en-US" dirty="0"/>
@@ -20339,6 +20555,13 @@
   <p:clrMapOvr>
     <a:masterClrMapping/>
   </p:clrMapOvr>
+  <p:timing>
+    <p:tnLst>
+      <p:par>
+        <p:cTn id="1" dur="indefinite" restart="never" nodeType="tmRoot"/>
+      </p:par>
+    </p:tnLst>
+  </p:timing>
 </p:sld>
 </file>
 
@@ -20457,6 +20680,10 @@
               </a:rPr>
               <a:t>(s)</a:t>
             </a:r>
+            <a:r>
+              <a:rPr lang="en-US" dirty="0"/>
+              <a:t/>
+            </a:r>
             <a:br>
               <a:rPr lang="en-US" dirty="0"/>
             </a:br>
@@ -20487,6 +20714,10 @@
               </a:rPr>
               <a:t>table_name</a:t>
             </a:r>
+            <a:r>
+              <a:rPr lang="en-US" dirty="0"/>
+              <a:t/>
+            </a:r>
             <a:br>
               <a:rPr lang="en-US" dirty="0"/>
             </a:br>
@@ -20516,6 +20747,10 @@
                 <a:latin typeface="Consolas" panose="020B0609020204030204" pitchFamily="49" charset="0"/>
               </a:rPr>
               <a:t>condition</a:t>
+            </a:r>
+            <a:r>
+              <a:rPr lang="en-US" dirty="0"/>
+              <a:t/>
             </a:r>
             <a:br>
               <a:rPr lang="en-US" dirty="0"/>
@@ -20692,6 +20927,13 @@
   <p:clrMapOvr>
     <a:masterClrMapping/>
   </p:clrMapOvr>
+  <p:timing>
+    <p:tnLst>
+      <p:par>
+        <p:cTn id="1" dur="indefinite" restart="never" nodeType="tmRoot"/>
+      </p:par>
+    </p:tnLst>
+  </p:timing>
 </p:sld>
 </file>
 
@@ -20717,7 +20959,7 @@
           <p:cNvPr id="2" name="Title 1">
             <a:extLst>
               <a:ext uri="{FF2B5EF4-FFF2-40B4-BE49-F238E27FC236}">
-                <a16:creationId xmlns:a16="http://schemas.microsoft.com/office/drawing/2014/main" id="{8C650E66-7B3A-435F-A47A-58D5B4F4D9C3}"/>
+                <a16:creationId xmlns:a16="http://schemas.microsoft.com/office/drawing/2014/main" xmlns="" id="{8C650E66-7B3A-435F-A47A-58D5B4F4D9C3}"/>
               </a:ext>
             </a:extLst>
           </p:cNvPr>
@@ -20746,7 +20988,7 @@
           <p:cNvPr id="3" name="Text Placeholder 2">
             <a:extLst>
               <a:ext uri="{FF2B5EF4-FFF2-40B4-BE49-F238E27FC236}">
-                <a16:creationId xmlns:a16="http://schemas.microsoft.com/office/drawing/2014/main" id="{29B09B99-CF33-4CA8-A9FE-E9EC728A162C}"/>
+                <a16:creationId xmlns:a16="http://schemas.microsoft.com/office/drawing/2014/main" xmlns="" id="{29B09B99-CF33-4CA8-A9FE-E9EC728A162C}"/>
               </a:ext>
             </a:extLst>
           </p:cNvPr>
@@ -20816,7 +21058,7 @@
           <p:cNvPr id="4" name="Rectangle 1">
             <a:extLst>
               <a:ext uri="{FF2B5EF4-FFF2-40B4-BE49-F238E27FC236}">
-                <a16:creationId xmlns:a16="http://schemas.microsoft.com/office/drawing/2014/main" id="{73C832A9-ADD6-4AC2-9511-6595D6C8633B}"/>
+                <a16:creationId xmlns:a16="http://schemas.microsoft.com/office/drawing/2014/main" xmlns="" id="{73C832A9-ADD6-4AC2-9511-6595D6C8633B}"/>
               </a:ext>
             </a:extLst>
           </p:cNvPr>
@@ -21475,6 +21717,13 @@
   <p:clrMapOvr>
     <a:masterClrMapping/>
   </p:clrMapOvr>
+  <p:timing>
+    <p:tnLst>
+      <p:par>
+        <p:cTn id="1" dur="indefinite" restart="never" nodeType="tmRoot"/>
+      </p:par>
+    </p:tnLst>
+  </p:timing>
 </p:sld>
 </file>
 
@@ -21500,7 +21749,7 @@
           <p:cNvPr id="2" name="Title 1">
             <a:extLst>
               <a:ext uri="{FF2B5EF4-FFF2-40B4-BE49-F238E27FC236}">
-                <a16:creationId xmlns:a16="http://schemas.microsoft.com/office/drawing/2014/main" id="{11D6D818-71CB-4714-A0C3-6A114E630815}"/>
+                <a16:creationId xmlns:a16="http://schemas.microsoft.com/office/drawing/2014/main" xmlns="" id="{11D6D818-71CB-4714-A0C3-6A114E630815}"/>
               </a:ext>
             </a:extLst>
           </p:cNvPr>
@@ -21528,7 +21777,7 @@
           <p:cNvPr id="3" name="Text Placeholder 2">
             <a:extLst>
               <a:ext uri="{FF2B5EF4-FFF2-40B4-BE49-F238E27FC236}">
-                <a16:creationId xmlns:a16="http://schemas.microsoft.com/office/drawing/2014/main" id="{187802C4-E46A-43C7-A1C6-A69D3E9C55D0}"/>
+                <a16:creationId xmlns:a16="http://schemas.microsoft.com/office/drawing/2014/main" xmlns="" id="{187802C4-E46A-43C7-A1C6-A69D3E9C55D0}"/>
               </a:ext>
             </a:extLst>
           </p:cNvPr>
@@ -21598,7 +21847,7 @@
           <p:cNvPr id="7" name="Rectangle 3">
             <a:extLst>
               <a:ext uri="{FF2B5EF4-FFF2-40B4-BE49-F238E27FC236}">
-                <a16:creationId xmlns:a16="http://schemas.microsoft.com/office/drawing/2014/main" id="{7B8C80A4-98FF-4A6D-BA2E-799E8ADAA95A}"/>
+                <a16:creationId xmlns:a16="http://schemas.microsoft.com/office/drawing/2014/main" xmlns="" id="{7B8C80A4-98FF-4A6D-BA2E-799E8ADAA95A}"/>
               </a:ext>
             </a:extLst>
           </p:cNvPr>
@@ -21752,7 +22001,7 @@
           <p:cNvPr id="6" name="Rectangle 1">
             <a:extLst>
               <a:ext uri="{FF2B5EF4-FFF2-40B4-BE49-F238E27FC236}">
-                <a16:creationId xmlns:a16="http://schemas.microsoft.com/office/drawing/2014/main" id="{FA6E62D8-8BF6-49B4-8FA8-CC72826FE194}"/>
+                <a16:creationId xmlns:a16="http://schemas.microsoft.com/office/drawing/2014/main" xmlns="" id="{FA6E62D8-8BF6-49B4-8FA8-CC72826FE194}"/>
               </a:ext>
             </a:extLst>
           </p:cNvPr>
@@ -21983,7 +22232,7 @@
           <p:cNvPr id="8" name="Rectangle 2">
             <a:extLst>
               <a:ext uri="{FF2B5EF4-FFF2-40B4-BE49-F238E27FC236}">
-                <a16:creationId xmlns:a16="http://schemas.microsoft.com/office/drawing/2014/main" id="{FE2E31D8-5B27-4DA9-A001-A91F50950B5A}"/>
+                <a16:creationId xmlns:a16="http://schemas.microsoft.com/office/drawing/2014/main" xmlns="" id="{FE2E31D8-5B27-4DA9-A001-A91F50950B5A}"/>
               </a:ext>
             </a:extLst>
           </p:cNvPr>
@@ -22129,6 +22378,13 @@
   <p:clrMapOvr>
     <a:masterClrMapping/>
   </p:clrMapOvr>
+  <p:timing>
+    <p:tnLst>
+      <p:par>
+        <p:cTn id="1" dur="indefinite" restart="never" nodeType="tmRoot"/>
+      </p:par>
+    </p:tnLst>
+  </p:timing>
 </p:sld>
 </file>
 
@@ -22154,7 +22410,7 @@
           <p:cNvPr id="2" name="Title 1">
             <a:extLst>
               <a:ext uri="{FF2B5EF4-FFF2-40B4-BE49-F238E27FC236}">
-                <a16:creationId xmlns:a16="http://schemas.microsoft.com/office/drawing/2014/main" id="{27F4D9AF-2FDE-4262-908C-3B3F664902E3}"/>
+                <a16:creationId xmlns:a16="http://schemas.microsoft.com/office/drawing/2014/main" xmlns="" id="{27F4D9AF-2FDE-4262-908C-3B3F664902E3}"/>
               </a:ext>
             </a:extLst>
           </p:cNvPr>
@@ -22182,7 +22438,7 @@
           <p:cNvPr id="3" name="Text Placeholder 2">
             <a:extLst>
               <a:ext uri="{FF2B5EF4-FFF2-40B4-BE49-F238E27FC236}">
-                <a16:creationId xmlns:a16="http://schemas.microsoft.com/office/drawing/2014/main" id="{AD8DEB00-95A9-47B2-A677-626D4C151A11}"/>
+                <a16:creationId xmlns:a16="http://schemas.microsoft.com/office/drawing/2014/main" xmlns="" id="{AD8DEB00-95A9-47B2-A677-626D4C151A11}"/>
               </a:ext>
             </a:extLst>
           </p:cNvPr>
@@ -22243,6 +22499,13 @@
   <p:clrMapOvr>
     <a:masterClrMapping/>
   </p:clrMapOvr>
+  <p:timing>
+    <p:tnLst>
+      <p:par>
+        <p:cTn id="1" dur="indefinite" restart="never" nodeType="tmRoot"/>
+      </p:par>
+    </p:tnLst>
+  </p:timing>
 </p:sld>
 </file>
 
@@ -22268,7 +22531,7 @@
           <p:cNvPr id="2" name="Title 1">
             <a:extLst>
               <a:ext uri="{FF2B5EF4-FFF2-40B4-BE49-F238E27FC236}">
-                <a16:creationId xmlns:a16="http://schemas.microsoft.com/office/drawing/2014/main" id="{D93A22B0-9761-439B-8A90-A371BFD0AEBC}"/>
+                <a16:creationId xmlns:a16="http://schemas.microsoft.com/office/drawing/2014/main" xmlns="" id="{D93A22B0-9761-439B-8A90-A371BFD0AEBC}"/>
               </a:ext>
             </a:extLst>
           </p:cNvPr>
@@ -22296,7 +22559,7 @@
           <p:cNvPr id="3" name="Text Placeholder 2">
             <a:extLst>
               <a:ext uri="{FF2B5EF4-FFF2-40B4-BE49-F238E27FC236}">
-                <a16:creationId xmlns:a16="http://schemas.microsoft.com/office/drawing/2014/main" id="{FA794F02-9AF8-4D40-9D42-6185AD454A3C}"/>
+                <a16:creationId xmlns:a16="http://schemas.microsoft.com/office/drawing/2014/main" xmlns="" id="{FA794F02-9AF8-4D40-9D42-6185AD454A3C}"/>
               </a:ext>
             </a:extLst>
           </p:cNvPr>
@@ -22321,7 +22584,7 @@
           <p:cNvPr id="4" name="Picture 3">
             <a:extLst>
               <a:ext uri="{FF2B5EF4-FFF2-40B4-BE49-F238E27FC236}">
-                <a16:creationId xmlns:a16="http://schemas.microsoft.com/office/drawing/2014/main" id="{8EC16C80-BAE1-4F9F-89CB-C86DE13B0BD7}"/>
+                <a16:creationId xmlns:a16="http://schemas.microsoft.com/office/drawing/2014/main" xmlns="" id="{8EC16C80-BAE1-4F9F-89CB-C86DE13B0BD7}"/>
               </a:ext>
             </a:extLst>
           </p:cNvPr>
@@ -22351,7 +22614,7 @@
           <p:cNvPr id="5" name="Picture 4">
             <a:extLst>
               <a:ext uri="{FF2B5EF4-FFF2-40B4-BE49-F238E27FC236}">
-                <a16:creationId xmlns:a16="http://schemas.microsoft.com/office/drawing/2014/main" id="{15B53C62-95DF-414B-970E-2A372E686472}"/>
+                <a16:creationId xmlns:a16="http://schemas.microsoft.com/office/drawing/2014/main" xmlns="" id="{15B53C62-95DF-414B-970E-2A372E686472}"/>
               </a:ext>
             </a:extLst>
           </p:cNvPr>
@@ -22386,6 +22649,13 @@
   <p:clrMapOvr>
     <a:masterClrMapping/>
   </p:clrMapOvr>
+  <p:timing>
+    <p:tnLst>
+      <p:par>
+        <p:cTn id="1" dur="indefinite" restart="never" nodeType="tmRoot"/>
+      </p:par>
+    </p:tnLst>
+  </p:timing>
 </p:sld>
 </file>
 
@@ -22411,7 +22681,7 @@
           <p:cNvPr id="2" name="Title 1">
             <a:extLst>
               <a:ext uri="{FF2B5EF4-FFF2-40B4-BE49-F238E27FC236}">
-                <a16:creationId xmlns:a16="http://schemas.microsoft.com/office/drawing/2014/main" id="{B3B2A382-6B82-467F-B436-66D1FF191ED6}"/>
+                <a16:creationId xmlns:a16="http://schemas.microsoft.com/office/drawing/2014/main" xmlns="" id="{B3B2A382-6B82-467F-B436-66D1FF191ED6}"/>
               </a:ext>
             </a:extLst>
           </p:cNvPr>
@@ -22445,7 +22715,7 @@
           <p:cNvPr id="3" name="Text Placeholder 2">
             <a:extLst>
               <a:ext uri="{FF2B5EF4-FFF2-40B4-BE49-F238E27FC236}">
-                <a16:creationId xmlns:a16="http://schemas.microsoft.com/office/drawing/2014/main" id="{11E077B5-31E7-43D2-AD52-3EE275DA6221}"/>
+                <a16:creationId xmlns:a16="http://schemas.microsoft.com/office/drawing/2014/main" xmlns="" id="{11E077B5-31E7-43D2-AD52-3EE275DA6221}"/>
               </a:ext>
             </a:extLst>
           </p:cNvPr>
@@ -22529,6 +22799,13 @@
   <p:clrMapOvr>
     <a:masterClrMapping/>
   </p:clrMapOvr>
+  <p:timing>
+    <p:tnLst>
+      <p:par>
+        <p:cTn id="1" dur="indefinite" restart="never" nodeType="tmRoot"/>
+      </p:par>
+    </p:tnLst>
+  </p:timing>
 </p:sld>
 </file>
 
@@ -22554,7 +22831,7 @@
           <p:cNvPr id="2" name="Title 1">
             <a:extLst>
               <a:ext uri="{FF2B5EF4-FFF2-40B4-BE49-F238E27FC236}">
-                <a16:creationId xmlns:a16="http://schemas.microsoft.com/office/drawing/2014/main" id="{D47065CF-F02E-4D1A-8AE5-096AEAAC2BA6}"/>
+                <a16:creationId xmlns:a16="http://schemas.microsoft.com/office/drawing/2014/main" xmlns="" id="{D47065CF-F02E-4D1A-8AE5-096AEAAC2BA6}"/>
               </a:ext>
             </a:extLst>
           </p:cNvPr>
@@ -22583,7 +22860,7 @@
           <p:cNvPr id="3" name="Text Placeholder 2">
             <a:extLst>
               <a:ext uri="{FF2B5EF4-FFF2-40B4-BE49-F238E27FC236}">
-                <a16:creationId xmlns:a16="http://schemas.microsoft.com/office/drawing/2014/main" id="{9C36295E-06B3-4009-85F9-72B3B7986D75}"/>
+                <a16:creationId xmlns:a16="http://schemas.microsoft.com/office/drawing/2014/main" xmlns="" id="{9C36295E-06B3-4009-85F9-72B3B7986D75}"/>
               </a:ext>
             </a:extLst>
           </p:cNvPr>
@@ -22612,12 +22889,12 @@
           <a:p>
             <a:pPr lvl="1"/>
             <a:r>
-              <a:rPr lang="en-US" dirty="0"/>
-              <a:t>Define the data items required, because they become the columns in a table. Place related data items in a table. </a:t>
+              <a:rPr lang="vi-VN" dirty="0" smtClean="0"/>
+              <a:t>Định </a:t>
             </a:r>
             <a:r>
               <a:rPr lang="vi-VN" dirty="0"/>
-              <a:t>Định nghĩa dữ liệu mong muốn, và đưa vào một bảng liên quan.</a:t>
+              <a:t>nghĩa dữ liệu mong muốn, và đưa vào một bảng liên quan.</a:t>
             </a:r>
           </a:p>
           <a:p>
@@ -22631,19 +22908,13 @@
             <a:pPr lvl="1"/>
             <a:r>
               <a:rPr lang="vi-VN" dirty="0"/>
-              <a:t>Đảm bảo phải có một khóa chính.</a:t>
-            </a:r>
-          </a:p>
-          <a:p>
-            <a:pPr lvl="1"/>
-            <a:r>
-              <a:rPr lang="vi-VN" dirty="0"/>
-              <a:t>Tạo khóa chính cho bảng được tạo.</a:t>
-            </a:r>
-          </a:p>
-          <a:p>
-            <a:pPr lvl="1"/>
-            <a:endParaRPr lang="en-US" dirty="0"/>
+              <a:t>Đảm bảo phải có một khóa chính</a:t>
+            </a:r>
+            <a:r>
+              <a:rPr lang="vi-VN" dirty="0" smtClean="0"/>
+              <a:t>.</a:t>
+            </a:r>
+            <a:endParaRPr lang="vi-VN" dirty="0"/>
           </a:p>
         </p:txBody>
       </p:sp>
@@ -22657,6 +22928,13 @@
   <p:clrMapOvr>
     <a:masterClrMapping/>
   </p:clrMapOvr>
+  <p:timing>
+    <p:tnLst>
+      <p:par>
+        <p:cTn id="1" dur="indefinite" restart="never" nodeType="tmRoot"/>
+      </p:par>
+    </p:tnLst>
+  </p:timing>
 </p:sld>
 </file>
 
@@ -22682,7 +22960,7 @@
           <p:cNvPr id="2" name="Title 1">
             <a:extLst>
               <a:ext uri="{FF2B5EF4-FFF2-40B4-BE49-F238E27FC236}">
-                <a16:creationId xmlns:a16="http://schemas.microsoft.com/office/drawing/2014/main" id="{C12A1E09-431E-47C3-A688-9FCC7701A9E0}"/>
+                <a16:creationId xmlns:a16="http://schemas.microsoft.com/office/drawing/2014/main" xmlns="" id="{C12A1E09-431E-47C3-A688-9FCC7701A9E0}"/>
               </a:ext>
             </a:extLst>
           </p:cNvPr>
@@ -22711,7 +22989,7 @@
           <p:cNvPr id="3" name="Text Placeholder 2">
             <a:extLst>
               <a:ext uri="{FF2B5EF4-FFF2-40B4-BE49-F238E27FC236}">
-                <a16:creationId xmlns:a16="http://schemas.microsoft.com/office/drawing/2014/main" id="{E4ADAEC3-381C-4220-860B-76787CB748C9}"/>
+                <a16:creationId xmlns:a16="http://schemas.microsoft.com/office/drawing/2014/main" xmlns="" id="{E4ADAEC3-381C-4220-860B-76787CB748C9}"/>
               </a:ext>
             </a:extLst>
           </p:cNvPr>
@@ -22759,7 +23037,7 @@
           <p:cNvPr id="4" name="Rectangle 1">
             <a:extLst>
               <a:ext uri="{FF2B5EF4-FFF2-40B4-BE49-F238E27FC236}">
-                <a16:creationId xmlns:a16="http://schemas.microsoft.com/office/drawing/2014/main" id="{B0B57B55-6982-4719-8F10-5D3CEA3CF131}"/>
+                <a16:creationId xmlns:a16="http://schemas.microsoft.com/office/drawing/2014/main" xmlns="" id="{B0B57B55-6982-4719-8F10-5D3CEA3CF131}"/>
               </a:ext>
             </a:extLst>
           </p:cNvPr>
@@ -23374,7 +23652,7 @@
           <p:cNvPr id="7" name="Rectangle 1">
             <a:extLst>
               <a:ext uri="{FF2B5EF4-FFF2-40B4-BE49-F238E27FC236}">
-                <a16:creationId xmlns:a16="http://schemas.microsoft.com/office/drawing/2014/main" id="{489CA333-3A41-4720-9260-462EF8E07ABE}"/>
+                <a16:creationId xmlns:a16="http://schemas.microsoft.com/office/drawing/2014/main" xmlns="" id="{489CA333-3A41-4720-9260-462EF8E07ABE}"/>
               </a:ext>
             </a:extLst>
           </p:cNvPr>
@@ -23755,6 +24033,19 @@
               <a:buNone/>
               <a:tabLst/>
             </a:pPr>
+            <a:r>
+              <a:rPr kumimoji="0" lang="en-US" altLang="en-US" sz="900" b="0" i="0" u="none" strike="noStrike" cap="none" normalizeH="0" baseline="0" dirty="0">
+                <a:ln>
+                  <a:noFill/>
+                </a:ln>
+                <a:solidFill>
+                  <a:srgbClr val="CC7832"/>
+                </a:solidFill>
+                <a:effectLst/>
+                <a:latin typeface="Consolas" panose="020B0609020204030204" pitchFamily="49" charset="0"/>
+              </a:rPr>
+              <a:t/>
+            </a:r>
             <a:br>
               <a:rPr kumimoji="0" lang="en-US" altLang="en-US" sz="900" b="0" i="0" u="none" strike="noStrike" cap="none" normalizeH="0" baseline="0" dirty="0">
                 <a:ln>
@@ -24077,6 +24368,19 @@
               <a:buNone/>
               <a:tabLst/>
             </a:pPr>
+            <a:r>
+              <a:rPr kumimoji="0" lang="en-US" altLang="en-US" sz="900" b="0" i="0" u="none" strike="noStrike" cap="none" normalizeH="0" baseline="0" dirty="0">
+                <a:ln>
+                  <a:noFill/>
+                </a:ln>
+                <a:solidFill>
+                  <a:srgbClr val="CC7832"/>
+                </a:solidFill>
+                <a:effectLst/>
+                <a:latin typeface="Consolas" panose="020B0609020204030204" pitchFamily="49" charset="0"/>
+              </a:rPr>
+              <a:t/>
+            </a:r>
             <a:br>
               <a:rPr kumimoji="0" lang="en-US" altLang="en-US" sz="900" b="0" i="0" u="none" strike="noStrike" cap="none" normalizeH="0" baseline="0" dirty="0">
                 <a:ln>
@@ -24484,6 +24788,13 @@
   <p:clrMapOvr>
     <a:masterClrMapping/>
   </p:clrMapOvr>
+  <p:timing>
+    <p:tnLst>
+      <p:par>
+        <p:cTn id="1" dur="indefinite" restart="never" nodeType="tmRoot"/>
+      </p:par>
+    </p:tnLst>
+  </p:timing>
 </p:sld>
 </file>
 
@@ -24509,7 +24820,7 @@
           <p:cNvPr id="2" name="Title 1">
             <a:extLst>
               <a:ext uri="{FF2B5EF4-FFF2-40B4-BE49-F238E27FC236}">
-                <a16:creationId xmlns:a16="http://schemas.microsoft.com/office/drawing/2014/main" id="{5DAEC868-76AA-4180-B508-44928D4AA256}"/>
+                <a16:creationId xmlns:a16="http://schemas.microsoft.com/office/drawing/2014/main" xmlns="" id="{5DAEC868-76AA-4180-B508-44928D4AA256}"/>
               </a:ext>
             </a:extLst>
           </p:cNvPr>
@@ -24538,7 +24849,7 @@
           <p:cNvPr id="3" name="Text Placeholder 2">
             <a:extLst>
               <a:ext uri="{FF2B5EF4-FFF2-40B4-BE49-F238E27FC236}">
-                <a16:creationId xmlns:a16="http://schemas.microsoft.com/office/drawing/2014/main" id="{1A8AB674-F81C-49A0-A903-7D3BC6B5B15C}"/>
+                <a16:creationId xmlns:a16="http://schemas.microsoft.com/office/drawing/2014/main" xmlns="" id="{1A8AB674-F81C-49A0-A903-7D3BC6B5B15C}"/>
               </a:ext>
             </a:extLst>
           </p:cNvPr>
@@ -24586,7 +24897,7 @@
           <p:cNvPr id="4" name="Rectangle 1">
             <a:extLst>
               <a:ext uri="{FF2B5EF4-FFF2-40B4-BE49-F238E27FC236}">
-                <a16:creationId xmlns:a16="http://schemas.microsoft.com/office/drawing/2014/main" id="{071D8593-2C75-4B4B-9B40-3DE9332AF842}"/>
+                <a16:creationId xmlns:a16="http://schemas.microsoft.com/office/drawing/2014/main" xmlns="" id="{071D8593-2C75-4B4B-9B40-3DE9332AF842}"/>
               </a:ext>
             </a:extLst>
           </p:cNvPr>
@@ -25523,7 +25834,7 @@
           <p:cNvPr id="5" name="Rectangle 2">
             <a:extLst>
               <a:ext uri="{FF2B5EF4-FFF2-40B4-BE49-F238E27FC236}">
-                <a16:creationId xmlns:a16="http://schemas.microsoft.com/office/drawing/2014/main" id="{6B8B5A86-45A2-4A58-A790-63309463C4D0}"/>
+                <a16:creationId xmlns:a16="http://schemas.microsoft.com/office/drawing/2014/main" xmlns="" id="{6B8B5A86-45A2-4A58-A790-63309463C4D0}"/>
               </a:ext>
             </a:extLst>
           </p:cNvPr>
@@ -26708,6 +27019,13 @@
   <p:clrMapOvr>
     <a:masterClrMapping/>
   </p:clrMapOvr>
+  <p:timing>
+    <p:tnLst>
+      <p:par>
+        <p:cTn id="1" dur="indefinite" restart="never" nodeType="tmRoot"/>
+      </p:par>
+    </p:tnLst>
+  </p:timing>
 </p:sld>
 </file>
 
@@ -26799,6 +27117,13 @@
   <p:clrMapOvr>
     <a:masterClrMapping/>
   </p:clrMapOvr>
+  <p:timing>
+    <p:tnLst>
+      <p:par>
+        <p:cTn id="1" dur="indefinite" restart="never" nodeType="tmRoot"/>
+      </p:par>
+    </p:tnLst>
+  </p:timing>
 </p:sld>
 </file>
 
@@ -26824,7 +27149,7 @@
           <p:cNvPr id="2" name="Title 1">
             <a:extLst>
               <a:ext uri="{FF2B5EF4-FFF2-40B4-BE49-F238E27FC236}">
-                <a16:creationId xmlns:a16="http://schemas.microsoft.com/office/drawing/2014/main" id="{9F43F429-CDF4-40DB-8DDA-B4EDB7D64EA2}"/>
+                <a16:creationId xmlns:a16="http://schemas.microsoft.com/office/drawing/2014/main" xmlns="" id="{9F43F429-CDF4-40DB-8DDA-B4EDB7D64EA2}"/>
               </a:ext>
             </a:extLst>
           </p:cNvPr>
@@ -26858,7 +27183,7 @@
           <p:cNvPr id="3" name="Text Placeholder 2">
             <a:extLst>
               <a:ext uri="{FF2B5EF4-FFF2-40B4-BE49-F238E27FC236}">
-                <a16:creationId xmlns:a16="http://schemas.microsoft.com/office/drawing/2014/main" id="{CE501CFF-CAE4-443D-867F-7A42ED1778CD}"/>
+                <a16:creationId xmlns:a16="http://schemas.microsoft.com/office/drawing/2014/main" xmlns="" id="{CE501CFF-CAE4-443D-867F-7A42ED1778CD}"/>
               </a:ext>
             </a:extLst>
           </p:cNvPr>
@@ -26949,6 +27274,13 @@
   <p:clrMapOvr>
     <a:masterClrMapping/>
   </p:clrMapOvr>
+  <p:timing>
+    <p:tnLst>
+      <p:par>
+        <p:cTn id="1" dur="indefinite" restart="never" nodeType="tmRoot"/>
+      </p:par>
+    </p:tnLst>
+  </p:timing>
 </p:sld>
 </file>
 
@@ -26974,7 +27306,7 @@
           <p:cNvPr id="2" name="Title 1">
             <a:extLst>
               <a:ext uri="{FF2B5EF4-FFF2-40B4-BE49-F238E27FC236}">
-                <a16:creationId xmlns:a16="http://schemas.microsoft.com/office/drawing/2014/main" id="{D1C42D7D-59C8-4353-8FD0-E4AC8D2A85BB}"/>
+                <a16:creationId xmlns:a16="http://schemas.microsoft.com/office/drawing/2014/main" xmlns="" id="{D1C42D7D-59C8-4353-8FD0-E4AC8D2A85BB}"/>
               </a:ext>
             </a:extLst>
           </p:cNvPr>
@@ -27010,7 +27342,7 @@
           <p:cNvPr id="3" name="Text Placeholder 2">
             <a:extLst>
               <a:ext uri="{FF2B5EF4-FFF2-40B4-BE49-F238E27FC236}">
-                <a16:creationId xmlns:a16="http://schemas.microsoft.com/office/drawing/2014/main" id="{C60E4D88-2FA8-47D2-A823-7CA9EF90EA36}"/>
+                <a16:creationId xmlns:a16="http://schemas.microsoft.com/office/drawing/2014/main" xmlns="" id="{C60E4D88-2FA8-47D2-A823-7CA9EF90EA36}"/>
               </a:ext>
             </a:extLst>
           </p:cNvPr>
@@ -27120,6 +27452,13 @@
   <p:clrMapOvr>
     <a:masterClrMapping/>
   </p:clrMapOvr>
+  <p:timing>
+    <p:tnLst>
+      <p:par>
+        <p:cTn id="1" dur="indefinite" restart="never" nodeType="tmRoot"/>
+      </p:par>
+    </p:tnLst>
+  </p:timing>
 </p:sld>
 </file>
 
@@ -27145,7 +27484,7 @@
           <p:cNvPr id="2" name="Title 1">
             <a:extLst>
               <a:ext uri="{FF2B5EF4-FFF2-40B4-BE49-F238E27FC236}">
-                <a16:creationId xmlns:a16="http://schemas.microsoft.com/office/drawing/2014/main" id="{4DC11100-FCC0-4645-89BC-D4FB659CE7B6}"/>
+                <a16:creationId xmlns:a16="http://schemas.microsoft.com/office/drawing/2014/main" xmlns="" id="{4DC11100-FCC0-4645-89BC-D4FB659CE7B6}"/>
               </a:ext>
             </a:extLst>
           </p:cNvPr>
@@ -27173,7 +27512,7 @@
           <p:cNvPr id="3" name="Text Placeholder 2">
             <a:extLst>
               <a:ext uri="{FF2B5EF4-FFF2-40B4-BE49-F238E27FC236}">
-                <a16:creationId xmlns:a16="http://schemas.microsoft.com/office/drawing/2014/main" id="{2DC861FF-6059-4D4F-B938-20E6569E9DF7}"/>
+                <a16:creationId xmlns:a16="http://schemas.microsoft.com/office/drawing/2014/main" xmlns="" id="{2DC861FF-6059-4D4F-B938-20E6569E9DF7}"/>
               </a:ext>
             </a:extLst>
           </p:cNvPr>
@@ -27198,7 +27537,7 @@
           <p:cNvPr id="9218" name="Picture 2" descr="Không có mô tả ảnh.">
             <a:extLst>
               <a:ext uri="{FF2B5EF4-FFF2-40B4-BE49-F238E27FC236}">
-                <a16:creationId xmlns:a16="http://schemas.microsoft.com/office/drawing/2014/main" id="{C38A8D2C-2F2F-4F61-BC64-A65135EF16BF}"/>
+                <a16:creationId xmlns:a16="http://schemas.microsoft.com/office/drawing/2014/main" xmlns="" id="{C38A8D2C-2F2F-4F61-BC64-A65135EF16BF}"/>
               </a:ext>
             </a:extLst>
           </p:cNvPr>
@@ -27250,6 +27589,13 @@
   <p:clrMapOvr>
     <a:masterClrMapping/>
   </p:clrMapOvr>
+  <p:timing>
+    <p:tnLst>
+      <p:par>
+        <p:cTn id="1" dur="indefinite" restart="never" nodeType="tmRoot"/>
+      </p:par>
+    </p:tnLst>
+  </p:timing>
 </p:sld>
 </file>
 
@@ -27275,7 +27621,7 @@
           <p:cNvPr id="2" name="Title 1">
             <a:extLst>
               <a:ext uri="{FF2B5EF4-FFF2-40B4-BE49-F238E27FC236}">
-                <a16:creationId xmlns:a16="http://schemas.microsoft.com/office/drawing/2014/main" id="{793160F5-857A-4F47-816E-ED9EAAB926E3}"/>
+                <a16:creationId xmlns:a16="http://schemas.microsoft.com/office/drawing/2014/main" xmlns="" id="{793160F5-857A-4F47-816E-ED9EAAB926E3}"/>
               </a:ext>
             </a:extLst>
           </p:cNvPr>
@@ -27304,7 +27650,7 @@
           <p:cNvPr id="3" name="Text Placeholder 2">
             <a:extLst>
               <a:ext uri="{FF2B5EF4-FFF2-40B4-BE49-F238E27FC236}">
-                <a16:creationId xmlns:a16="http://schemas.microsoft.com/office/drawing/2014/main" id="{03BDBBF9-4912-4FCB-85BF-8231245E4079}"/>
+                <a16:creationId xmlns:a16="http://schemas.microsoft.com/office/drawing/2014/main" xmlns="" id="{03BDBBF9-4912-4FCB-85BF-8231245E4079}"/>
               </a:ext>
             </a:extLst>
           </p:cNvPr>
@@ -28176,6 +28522,13 @@
   <p:clrMapOvr>
     <a:masterClrMapping/>
   </p:clrMapOvr>
+  <p:timing>
+    <p:tnLst>
+      <p:par>
+        <p:cTn id="1" dur="indefinite" restart="never" nodeType="tmRoot"/>
+      </p:par>
+    </p:tnLst>
+  </p:timing>
 </p:sld>
 </file>
 
@@ -28201,7 +28554,7 @@
           <p:cNvPr id="2" name="Title 1">
             <a:extLst>
               <a:ext uri="{FF2B5EF4-FFF2-40B4-BE49-F238E27FC236}">
-                <a16:creationId xmlns:a16="http://schemas.microsoft.com/office/drawing/2014/main" id="{ECE4D917-98CD-4459-A441-795D5CBF68E6}"/>
+                <a16:creationId xmlns:a16="http://schemas.microsoft.com/office/drawing/2014/main" xmlns="" id="{ECE4D917-98CD-4459-A441-795D5CBF68E6}"/>
               </a:ext>
             </a:extLst>
           </p:cNvPr>
@@ -28230,7 +28583,7 @@
           <p:cNvPr id="3" name="Text Placeholder 2">
             <a:extLst>
               <a:ext uri="{FF2B5EF4-FFF2-40B4-BE49-F238E27FC236}">
-                <a16:creationId xmlns:a16="http://schemas.microsoft.com/office/drawing/2014/main" id="{C17526F1-D347-43DF-B8E7-CF316F34908E}"/>
+                <a16:creationId xmlns:a16="http://schemas.microsoft.com/office/drawing/2014/main" xmlns="" id="{C17526F1-D347-43DF-B8E7-CF316F34908E}"/>
               </a:ext>
             </a:extLst>
           </p:cNvPr>
@@ -28952,6 +29305,13 @@
   <p:clrMapOvr>
     <a:masterClrMapping/>
   </p:clrMapOvr>
+  <p:timing>
+    <p:tnLst>
+      <p:par>
+        <p:cTn id="1" dur="indefinite" restart="never" nodeType="tmRoot"/>
+      </p:par>
+    </p:tnLst>
+  </p:timing>
 </p:sld>
 </file>
 
@@ -28977,7 +29337,7 @@
           <p:cNvPr id="2" name="Title 1">
             <a:extLst>
               <a:ext uri="{FF2B5EF4-FFF2-40B4-BE49-F238E27FC236}">
-                <a16:creationId xmlns:a16="http://schemas.microsoft.com/office/drawing/2014/main" id="{D6BC02B4-D959-4DAA-986D-4E4132080D88}"/>
+                <a16:creationId xmlns:a16="http://schemas.microsoft.com/office/drawing/2014/main" xmlns="" id="{D6BC02B4-D959-4DAA-986D-4E4132080D88}"/>
               </a:ext>
             </a:extLst>
           </p:cNvPr>
@@ -29006,7 +29366,7 @@
           <p:cNvPr id="3" name="Text Placeholder 2">
             <a:extLst>
               <a:ext uri="{FF2B5EF4-FFF2-40B4-BE49-F238E27FC236}">
-                <a16:creationId xmlns:a16="http://schemas.microsoft.com/office/drawing/2014/main" id="{207CCEC7-6F9A-483D-B060-088BF133BAB3}"/>
+                <a16:creationId xmlns:a16="http://schemas.microsoft.com/office/drawing/2014/main" xmlns="" id="{207CCEC7-6F9A-483D-B060-088BF133BAB3}"/>
               </a:ext>
             </a:extLst>
           </p:cNvPr>
@@ -29031,7 +29391,7 @@
           <p:cNvPr id="1026" name="Picture 2">
             <a:extLst>
               <a:ext uri="{FF2B5EF4-FFF2-40B4-BE49-F238E27FC236}">
-                <a16:creationId xmlns:a16="http://schemas.microsoft.com/office/drawing/2014/main" id="{739AB989-1576-41F8-A770-0BB207D8511A}"/>
+                <a16:creationId xmlns:a16="http://schemas.microsoft.com/office/drawing/2014/main" xmlns="" id="{739AB989-1576-41F8-A770-0BB207D8511A}"/>
               </a:ext>
             </a:extLst>
           </p:cNvPr>
@@ -29083,6 +29443,13 @@
   <p:clrMapOvr>
     <a:masterClrMapping/>
   </p:clrMapOvr>
+  <p:timing>
+    <p:tnLst>
+      <p:par>
+        <p:cTn id="1" dur="indefinite" restart="never" nodeType="tmRoot"/>
+      </p:par>
+    </p:tnLst>
+  </p:timing>
 </p:sld>
 </file>
 
@@ -29108,7 +29475,7 @@
           <p:cNvPr id="2" name="Title 1">
             <a:extLst>
               <a:ext uri="{FF2B5EF4-FFF2-40B4-BE49-F238E27FC236}">
-                <a16:creationId xmlns:a16="http://schemas.microsoft.com/office/drawing/2014/main" id="{A891D5ED-31E0-46D6-A179-14A45ED29A18}"/>
+                <a16:creationId xmlns:a16="http://schemas.microsoft.com/office/drawing/2014/main" xmlns="" id="{A891D5ED-31E0-46D6-A179-14A45ED29A18}"/>
               </a:ext>
             </a:extLst>
           </p:cNvPr>
@@ -29142,7 +29509,7 @@
           <p:cNvPr id="3" name="Text Placeholder 2">
             <a:extLst>
               <a:ext uri="{FF2B5EF4-FFF2-40B4-BE49-F238E27FC236}">
-                <a16:creationId xmlns:a16="http://schemas.microsoft.com/office/drawing/2014/main" id="{6B414B20-3B3A-45A7-8502-46456FF0996F}"/>
+                <a16:creationId xmlns:a16="http://schemas.microsoft.com/office/drawing/2014/main" xmlns="" id="{6B414B20-3B3A-45A7-8502-46456FF0996F}"/>
               </a:ext>
             </a:extLst>
           </p:cNvPr>
@@ -29221,6 +29588,13 @@
   <p:clrMapOvr>
     <a:masterClrMapping/>
   </p:clrMapOvr>
+  <p:timing>
+    <p:tnLst>
+      <p:par>
+        <p:cTn id="1" dur="indefinite" restart="never" nodeType="tmRoot"/>
+      </p:par>
+    </p:tnLst>
+  </p:timing>
 </p:sld>
 </file>
 
@@ -29246,7 +29620,7 @@
           <p:cNvPr id="2" name="Title 1">
             <a:extLst>
               <a:ext uri="{FF2B5EF4-FFF2-40B4-BE49-F238E27FC236}">
-                <a16:creationId xmlns:a16="http://schemas.microsoft.com/office/drawing/2014/main" id="{E341E90E-5183-47F9-A498-3AAA7F81D417}"/>
+                <a16:creationId xmlns:a16="http://schemas.microsoft.com/office/drawing/2014/main" xmlns="" id="{E341E90E-5183-47F9-A498-3AAA7F81D417}"/>
               </a:ext>
             </a:extLst>
           </p:cNvPr>
@@ -29275,7 +29649,7 @@
           <p:cNvPr id="3" name="Text Placeholder 2">
             <a:extLst>
               <a:ext uri="{FF2B5EF4-FFF2-40B4-BE49-F238E27FC236}">
-                <a16:creationId xmlns:a16="http://schemas.microsoft.com/office/drawing/2014/main" id="{2AD783C4-13D3-4CC8-9438-72D7C3DC7F13}"/>
+                <a16:creationId xmlns:a16="http://schemas.microsoft.com/office/drawing/2014/main" xmlns="" id="{2AD783C4-13D3-4CC8-9438-72D7C3DC7F13}"/>
               </a:ext>
             </a:extLst>
           </p:cNvPr>
@@ -29298,7 +29672,15 @@
           <a:p>
             <a:r>
               <a:rPr lang="en-US" dirty="0"/>
-              <a:t>MYSQL and WORKBENCH</a:t>
+              <a:t>MYSQL </a:t>
+            </a:r>
+            <a:r>
+              <a:rPr lang="vi-VN" smtClean="0"/>
+              <a:t>+ </a:t>
+            </a:r>
+            <a:r>
+              <a:rPr lang="en-US" smtClean="0"/>
+              <a:t>WORKBENCH</a:t>
             </a:r>
             <a:endParaRPr lang="vi-VN" dirty="0"/>
           </a:p>
@@ -29343,7 +29725,7 @@
               <a:hlinkClick r:id="rId3">
                 <a:extLst>
                   <a:ext uri="{A12FA001-AC4F-418D-AE19-62706E023703}">
-                    <ahyp:hlinkClr xmlns:ahyp="http://schemas.microsoft.com/office/drawing/2018/hyperlinkcolor" val="tx"/>
+                    <ahyp:hlinkClr xmlns:ahyp="http://schemas.microsoft.com/office/drawing/2018/hyperlinkcolor" xmlns="" val="tx"/>
                   </a:ext>
                 </a:extLst>
               </a:hlinkClick>
@@ -29371,6 +29753,13 @@
   <p:clrMapOvr>
     <a:masterClrMapping/>
   </p:clrMapOvr>
+  <p:timing>
+    <p:tnLst>
+      <p:par>
+        <p:cTn id="1" dur="indefinite" restart="never" nodeType="tmRoot"/>
+      </p:par>
+    </p:tnLst>
+  </p:timing>
 </p:sld>
 </file>
 
@@ -29396,7 +29785,7 @@
           <p:cNvPr id="2" name="Title 1">
             <a:extLst>
               <a:ext uri="{FF2B5EF4-FFF2-40B4-BE49-F238E27FC236}">
-                <a16:creationId xmlns:a16="http://schemas.microsoft.com/office/drawing/2014/main" id="{D7DE1099-F8EA-4A23-A1EF-314D31EED3AC}"/>
+                <a16:creationId xmlns:a16="http://schemas.microsoft.com/office/drawing/2014/main" xmlns="" id="{D7DE1099-F8EA-4A23-A1EF-314D31EED3AC}"/>
               </a:ext>
             </a:extLst>
           </p:cNvPr>
@@ -29424,7 +29813,7 @@
           <p:cNvPr id="3" name="Text Placeholder 2">
             <a:extLst>
               <a:ext uri="{FF2B5EF4-FFF2-40B4-BE49-F238E27FC236}">
-                <a16:creationId xmlns:a16="http://schemas.microsoft.com/office/drawing/2014/main" id="{59CC8BF2-B6DA-4352-BCF0-7DB8A47DF170}"/>
+                <a16:creationId xmlns:a16="http://schemas.microsoft.com/office/drawing/2014/main" xmlns="" id="{59CC8BF2-B6DA-4352-BCF0-7DB8A47DF170}"/>
               </a:ext>
             </a:extLst>
           </p:cNvPr>
@@ -29483,7 +29872,7 @@
           <p:cNvPr id="4" name="Picture 3">
             <a:extLst>
               <a:ext uri="{FF2B5EF4-FFF2-40B4-BE49-F238E27FC236}">
-                <a16:creationId xmlns:a16="http://schemas.microsoft.com/office/drawing/2014/main" id="{F835B25E-B958-45FB-8E31-5987639EAD25}"/>
+                <a16:creationId xmlns:a16="http://schemas.microsoft.com/office/drawing/2014/main" xmlns="" id="{F835B25E-B958-45FB-8E31-5987639EAD25}"/>
               </a:ext>
             </a:extLst>
           </p:cNvPr>
@@ -29518,6 +29907,13 @@
   <p:clrMapOvr>
     <a:masterClrMapping/>
   </p:clrMapOvr>
+  <p:timing>
+    <p:tnLst>
+      <p:par>
+        <p:cTn id="1" dur="indefinite" restart="never" nodeType="tmRoot"/>
+      </p:par>
+    </p:tnLst>
+  </p:timing>
 </p:sld>
 </file>
 

--- a/docs/database - vi.pptx
+++ b/docs/database - vi.pptx
@@ -15163,7 +15163,7 @@
           <p:cNvPr id="2" name="Title 1">
             <a:extLst>
               <a:ext uri="{FF2B5EF4-FFF2-40B4-BE49-F238E27FC236}">
-                <a16:creationId xmlns:a16="http://schemas.microsoft.com/office/drawing/2014/main" xmlns="" id="{4616010D-AEDC-4219-B722-591FCE1C2D1D}"/>
+                <a16:creationId xmlns="" xmlns:a16="http://schemas.microsoft.com/office/drawing/2014/main" id="{4616010D-AEDC-4219-B722-591FCE1C2D1D}"/>
               </a:ext>
             </a:extLst>
           </p:cNvPr>
@@ -15196,7 +15196,7 @@
           <p:cNvPr id="3" name="Text Placeholder 2">
             <a:extLst>
               <a:ext uri="{FF2B5EF4-FFF2-40B4-BE49-F238E27FC236}">
-                <a16:creationId xmlns:a16="http://schemas.microsoft.com/office/drawing/2014/main" xmlns="" id="{E89E1504-A5DB-4A6B-9ACB-0AF9ECB52349}"/>
+                <a16:creationId xmlns="" xmlns:a16="http://schemas.microsoft.com/office/drawing/2014/main" id="{E89E1504-A5DB-4A6B-9ACB-0AF9ECB52349}"/>
               </a:ext>
             </a:extLst>
           </p:cNvPr>
@@ -15286,7 +15286,7 @@
           <p:cNvPr id="4" name="Picture 3">
             <a:extLst>
               <a:ext uri="{FF2B5EF4-FFF2-40B4-BE49-F238E27FC236}">
-                <a16:creationId xmlns:a16="http://schemas.microsoft.com/office/drawing/2014/main" xmlns="" id="{EA89ABDE-3432-4532-B6CF-641EA3F44C55}"/>
+                <a16:creationId xmlns="" xmlns:a16="http://schemas.microsoft.com/office/drawing/2014/main" id="{EA89ABDE-3432-4532-B6CF-641EA3F44C55}"/>
               </a:ext>
             </a:extLst>
           </p:cNvPr>
@@ -15353,7 +15353,7 @@
           <p:cNvPr id="2" name="Title 1">
             <a:extLst>
               <a:ext uri="{FF2B5EF4-FFF2-40B4-BE49-F238E27FC236}">
-                <a16:creationId xmlns:a16="http://schemas.microsoft.com/office/drawing/2014/main" xmlns="" id="{6044D912-DDD7-4691-BB39-3739F92A061E}"/>
+                <a16:creationId xmlns="" xmlns:a16="http://schemas.microsoft.com/office/drawing/2014/main" id="{6044D912-DDD7-4691-BB39-3739F92A061E}"/>
               </a:ext>
             </a:extLst>
           </p:cNvPr>
@@ -15382,7 +15382,7 @@
           <p:cNvPr id="3" name="Text Placeholder 2">
             <a:extLst>
               <a:ext uri="{FF2B5EF4-FFF2-40B4-BE49-F238E27FC236}">
-                <a16:creationId xmlns:a16="http://schemas.microsoft.com/office/drawing/2014/main" xmlns="" id="{EC6F39E8-9DEC-4E76-B3AB-1747C058CBF7}"/>
+                <a16:creationId xmlns="" xmlns:a16="http://schemas.microsoft.com/office/drawing/2014/main" id="{EC6F39E8-9DEC-4E76-B3AB-1747C058CBF7}"/>
               </a:ext>
             </a:extLst>
           </p:cNvPr>
@@ -15432,7 +15432,7 @@
           <p:cNvPr id="4" name="Picture 3">
             <a:extLst>
               <a:ext uri="{FF2B5EF4-FFF2-40B4-BE49-F238E27FC236}">
-                <a16:creationId xmlns:a16="http://schemas.microsoft.com/office/drawing/2014/main" xmlns="" id="{3BC97525-BCDB-42D2-ACF0-772E37A2DD10}"/>
+                <a16:creationId xmlns="" xmlns:a16="http://schemas.microsoft.com/office/drawing/2014/main" id="{3BC97525-BCDB-42D2-ACF0-772E37A2DD10}"/>
               </a:ext>
             </a:extLst>
           </p:cNvPr>
@@ -15499,7 +15499,7 @@
           <p:cNvPr id="2" name="Title 1">
             <a:extLst>
               <a:ext uri="{FF2B5EF4-FFF2-40B4-BE49-F238E27FC236}">
-                <a16:creationId xmlns:a16="http://schemas.microsoft.com/office/drawing/2014/main" xmlns="" id="{71852B1A-59EB-4858-9C28-1C6DD2DF6FC6}"/>
+                <a16:creationId xmlns="" xmlns:a16="http://schemas.microsoft.com/office/drawing/2014/main" id="{71852B1A-59EB-4858-9C28-1C6DD2DF6FC6}"/>
               </a:ext>
             </a:extLst>
           </p:cNvPr>
@@ -15537,7 +15537,7 @@
           <p:cNvPr id="3" name="Text Placeholder 2">
             <a:extLst>
               <a:ext uri="{FF2B5EF4-FFF2-40B4-BE49-F238E27FC236}">
-                <a16:creationId xmlns:a16="http://schemas.microsoft.com/office/drawing/2014/main" xmlns="" id="{2BE1FE44-90C2-4D3C-BFF5-55335BA3F82B}"/>
+                <a16:creationId xmlns="" xmlns:a16="http://schemas.microsoft.com/office/drawing/2014/main" id="{2BE1FE44-90C2-4D3C-BFF5-55335BA3F82B}"/>
               </a:ext>
             </a:extLst>
           </p:cNvPr>
@@ -15616,7 +15616,7 @@
           <p:cNvPr id="4" name="Rectangle 1">
             <a:extLst>
               <a:ext uri="{FF2B5EF4-FFF2-40B4-BE49-F238E27FC236}">
-                <a16:creationId xmlns:a16="http://schemas.microsoft.com/office/drawing/2014/main" xmlns="" id="{C171F961-4F58-4F5D-BD55-A4FC07A5D8DD}"/>
+                <a16:creationId xmlns="" xmlns:a16="http://schemas.microsoft.com/office/drawing/2014/main" id="{C171F961-4F58-4F5D-BD55-A4FC07A5D8DD}"/>
               </a:ext>
             </a:extLst>
           </p:cNvPr>
@@ -15974,7 +15974,7 @@
           <p:cNvPr id="6" name="Rectangle 1">
             <a:extLst>
               <a:ext uri="{FF2B5EF4-FFF2-40B4-BE49-F238E27FC236}">
-                <a16:creationId xmlns:a16="http://schemas.microsoft.com/office/drawing/2014/main" xmlns="" id="{673C4EFC-DF63-4593-AF9E-ED63142E9FBD}"/>
+                <a16:creationId xmlns="" xmlns:a16="http://schemas.microsoft.com/office/drawing/2014/main" id="{673C4EFC-DF63-4593-AF9E-ED63142E9FBD}"/>
               </a:ext>
             </a:extLst>
           </p:cNvPr>
@@ -16179,7 +16179,7 @@
           <p:cNvPr id="7" name="Rectangle 2">
             <a:extLst>
               <a:ext uri="{FF2B5EF4-FFF2-40B4-BE49-F238E27FC236}">
-                <a16:creationId xmlns:a16="http://schemas.microsoft.com/office/drawing/2014/main" xmlns="" id="{C97B89FD-AEE3-4084-B26C-381FFA3AB4D0}"/>
+                <a16:creationId xmlns="" xmlns:a16="http://schemas.microsoft.com/office/drawing/2014/main" id="{C97B89FD-AEE3-4084-B26C-381FFA3AB4D0}"/>
               </a:ext>
             </a:extLst>
           </p:cNvPr>
@@ -16704,7 +16704,7 @@
           <p:cNvPr id="2" name="Title 1">
             <a:extLst>
               <a:ext uri="{FF2B5EF4-FFF2-40B4-BE49-F238E27FC236}">
-                <a16:creationId xmlns:a16="http://schemas.microsoft.com/office/drawing/2014/main" xmlns="" id="{09A271D5-E104-4DCB-B957-A4FBB23B26BE}"/>
+                <a16:creationId xmlns="" xmlns:a16="http://schemas.microsoft.com/office/drawing/2014/main" id="{09A271D5-E104-4DCB-B957-A4FBB23B26BE}"/>
               </a:ext>
             </a:extLst>
           </p:cNvPr>
@@ -16732,7 +16732,7 @@
           <p:cNvPr id="3" name="Text Placeholder 2">
             <a:extLst>
               <a:ext uri="{FF2B5EF4-FFF2-40B4-BE49-F238E27FC236}">
-                <a16:creationId xmlns:a16="http://schemas.microsoft.com/office/drawing/2014/main" xmlns="" id="{52CF2E1D-8E76-423C-82A1-61D2021EC97C}"/>
+                <a16:creationId xmlns="" xmlns:a16="http://schemas.microsoft.com/office/drawing/2014/main" id="{52CF2E1D-8E76-423C-82A1-61D2021EC97C}"/>
               </a:ext>
             </a:extLst>
           </p:cNvPr>
@@ -17206,7 +17206,7 @@
           <p:cNvPr id="5" name="Rectangle 1">
             <a:extLst>
               <a:ext uri="{FF2B5EF4-FFF2-40B4-BE49-F238E27FC236}">
-                <a16:creationId xmlns:a16="http://schemas.microsoft.com/office/drawing/2014/main" xmlns="" id="{1FD4F09B-28BD-4636-AB44-462905190B81}"/>
+                <a16:creationId xmlns="" xmlns:a16="http://schemas.microsoft.com/office/drawing/2014/main" id="{1FD4F09B-28BD-4636-AB44-462905190B81}"/>
               </a:ext>
             </a:extLst>
           </p:cNvPr>
@@ -17463,7 +17463,7 @@
           <p:cNvPr id="6" name="Rectangle 2">
             <a:extLst>
               <a:ext uri="{FF2B5EF4-FFF2-40B4-BE49-F238E27FC236}">
-                <a16:creationId xmlns:a16="http://schemas.microsoft.com/office/drawing/2014/main" xmlns="" id="{A82D17AD-7D3B-4F6C-B231-E4E33CB94204}"/>
+                <a16:creationId xmlns="" xmlns:a16="http://schemas.microsoft.com/office/drawing/2014/main" id="{A82D17AD-7D3B-4F6C-B231-E4E33CB94204}"/>
               </a:ext>
             </a:extLst>
           </p:cNvPr>
@@ -17653,7 +17653,7 @@
           <p:cNvPr id="2" name="Title 1">
             <a:extLst>
               <a:ext uri="{FF2B5EF4-FFF2-40B4-BE49-F238E27FC236}">
-                <a16:creationId xmlns:a16="http://schemas.microsoft.com/office/drawing/2014/main" xmlns="" id="{FE361A72-EF10-4766-995A-B032C7B8D62A}"/>
+                <a16:creationId xmlns="" xmlns:a16="http://schemas.microsoft.com/office/drawing/2014/main" id="{FE361A72-EF10-4766-995A-B032C7B8D62A}"/>
               </a:ext>
             </a:extLst>
           </p:cNvPr>
@@ -17691,7 +17691,7 @@
           <p:cNvPr id="3" name="Text Placeholder 2">
             <a:extLst>
               <a:ext uri="{FF2B5EF4-FFF2-40B4-BE49-F238E27FC236}">
-                <a16:creationId xmlns:a16="http://schemas.microsoft.com/office/drawing/2014/main" xmlns="" id="{EF5EAF4A-1F07-4DFF-BD75-8B9C5A926B31}"/>
+                <a16:creationId xmlns="" xmlns:a16="http://schemas.microsoft.com/office/drawing/2014/main" id="{EF5EAF4A-1F07-4DFF-BD75-8B9C5A926B31}"/>
               </a:ext>
             </a:extLst>
           </p:cNvPr>
@@ -17753,7 +17753,7 @@
           <p:cNvPr id="5" name="Rectangle 2">
             <a:extLst>
               <a:ext uri="{FF2B5EF4-FFF2-40B4-BE49-F238E27FC236}">
-                <a16:creationId xmlns:a16="http://schemas.microsoft.com/office/drawing/2014/main" xmlns="" id="{CF536D12-8ADD-47A3-8F8C-0A3E2075D1F8}"/>
+                <a16:creationId xmlns="" xmlns:a16="http://schemas.microsoft.com/office/drawing/2014/main" id="{CF536D12-8ADD-47A3-8F8C-0A3E2075D1F8}"/>
               </a:ext>
             </a:extLst>
           </p:cNvPr>
@@ -18127,7 +18127,7 @@
           <p:cNvPr id="6" name="Rectangle 3">
             <a:extLst>
               <a:ext uri="{FF2B5EF4-FFF2-40B4-BE49-F238E27FC236}">
-                <a16:creationId xmlns:a16="http://schemas.microsoft.com/office/drawing/2014/main" xmlns="" id="{E99C9779-67D5-499E-8DA8-4C3C3476E88F}"/>
+                <a16:creationId xmlns="" xmlns:a16="http://schemas.microsoft.com/office/drawing/2014/main" id="{E99C9779-67D5-499E-8DA8-4C3C3476E88F}"/>
               </a:ext>
             </a:extLst>
           </p:cNvPr>
@@ -18627,7 +18627,7 @@
           <p:cNvPr id="2" name="Title 1">
             <a:extLst>
               <a:ext uri="{FF2B5EF4-FFF2-40B4-BE49-F238E27FC236}">
-                <a16:creationId xmlns:a16="http://schemas.microsoft.com/office/drawing/2014/main" xmlns="" id="{728B1DDF-8627-4830-A803-E5E94433D0A0}"/>
+                <a16:creationId xmlns="" xmlns:a16="http://schemas.microsoft.com/office/drawing/2014/main" id="{728B1DDF-8627-4830-A803-E5E94433D0A0}"/>
               </a:ext>
             </a:extLst>
           </p:cNvPr>
@@ -18665,7 +18665,7 @@
           <p:cNvPr id="3" name="Text Placeholder 2">
             <a:extLst>
               <a:ext uri="{FF2B5EF4-FFF2-40B4-BE49-F238E27FC236}">
-                <a16:creationId xmlns:a16="http://schemas.microsoft.com/office/drawing/2014/main" xmlns="" id="{A9AF62C8-E197-4B89-892C-048A0F817D1D}"/>
+                <a16:creationId xmlns="" xmlns:a16="http://schemas.microsoft.com/office/drawing/2014/main" id="{A9AF62C8-E197-4B89-892C-048A0F817D1D}"/>
               </a:ext>
             </a:extLst>
           </p:cNvPr>
@@ -18745,7 +18745,7 @@
           <p:cNvPr id="4" name="Rectangle 1">
             <a:extLst>
               <a:ext uri="{FF2B5EF4-FFF2-40B4-BE49-F238E27FC236}">
-                <a16:creationId xmlns:a16="http://schemas.microsoft.com/office/drawing/2014/main" xmlns="" id="{856EC94C-76E0-4559-AF0A-437FB4ABBD97}"/>
+                <a16:creationId xmlns="" xmlns:a16="http://schemas.microsoft.com/office/drawing/2014/main" id="{856EC94C-76E0-4559-AF0A-437FB4ABBD97}"/>
               </a:ext>
             </a:extLst>
           </p:cNvPr>
@@ -19053,7 +19053,7 @@
           <p:cNvPr id="5" name="Rectangle 1">
             <a:extLst>
               <a:ext uri="{FF2B5EF4-FFF2-40B4-BE49-F238E27FC236}">
-                <a16:creationId xmlns:a16="http://schemas.microsoft.com/office/drawing/2014/main" xmlns="" id="{0EB568F5-6FF1-4934-B1DF-3237E026DCC5}"/>
+                <a16:creationId xmlns="" xmlns:a16="http://schemas.microsoft.com/office/drawing/2014/main" id="{0EB568F5-6FF1-4934-B1DF-3237E026DCC5}"/>
               </a:ext>
             </a:extLst>
           </p:cNvPr>
@@ -19269,7 +19269,7 @@
           <p:cNvPr id="2" name="Title 1">
             <a:extLst>
               <a:ext uri="{FF2B5EF4-FFF2-40B4-BE49-F238E27FC236}">
-                <a16:creationId xmlns:a16="http://schemas.microsoft.com/office/drawing/2014/main" xmlns="" id="{80778420-8E92-41B2-9A89-196137FB6045}"/>
+                <a16:creationId xmlns="" xmlns:a16="http://schemas.microsoft.com/office/drawing/2014/main" id="{80778420-8E92-41B2-9A89-196137FB6045}"/>
               </a:ext>
             </a:extLst>
           </p:cNvPr>
@@ -19307,7 +19307,7 @@
           <p:cNvPr id="3" name="Text Placeholder 2">
             <a:extLst>
               <a:ext uri="{FF2B5EF4-FFF2-40B4-BE49-F238E27FC236}">
-                <a16:creationId xmlns:a16="http://schemas.microsoft.com/office/drawing/2014/main" xmlns="" id="{AB2F1184-EEBD-4494-A336-E79259E5AA63}"/>
+                <a16:creationId xmlns="" xmlns:a16="http://schemas.microsoft.com/office/drawing/2014/main" id="{AB2F1184-EEBD-4494-A336-E79259E5AA63}"/>
               </a:ext>
             </a:extLst>
           </p:cNvPr>
@@ -19368,7 +19368,7 @@
           <p:cNvPr id="4" name="Rectangle 1">
             <a:extLst>
               <a:ext uri="{FF2B5EF4-FFF2-40B4-BE49-F238E27FC236}">
-                <a16:creationId xmlns:a16="http://schemas.microsoft.com/office/drawing/2014/main" xmlns="" id="{E3148BF0-5625-4D04-8BD8-AFF45E4B0193}"/>
+                <a16:creationId xmlns="" xmlns:a16="http://schemas.microsoft.com/office/drawing/2014/main" id="{E3148BF0-5625-4D04-8BD8-AFF45E4B0193}"/>
               </a:ext>
             </a:extLst>
           </p:cNvPr>
@@ -20959,7 +20959,7 @@
           <p:cNvPr id="2" name="Title 1">
             <a:extLst>
               <a:ext uri="{FF2B5EF4-FFF2-40B4-BE49-F238E27FC236}">
-                <a16:creationId xmlns:a16="http://schemas.microsoft.com/office/drawing/2014/main" xmlns="" id="{8C650E66-7B3A-435F-A47A-58D5B4F4D9C3}"/>
+                <a16:creationId xmlns="" xmlns:a16="http://schemas.microsoft.com/office/drawing/2014/main" id="{8C650E66-7B3A-435F-A47A-58D5B4F4D9C3}"/>
               </a:ext>
             </a:extLst>
           </p:cNvPr>
@@ -20988,7 +20988,7 @@
           <p:cNvPr id="3" name="Text Placeholder 2">
             <a:extLst>
               <a:ext uri="{FF2B5EF4-FFF2-40B4-BE49-F238E27FC236}">
-                <a16:creationId xmlns:a16="http://schemas.microsoft.com/office/drawing/2014/main" xmlns="" id="{29B09B99-CF33-4CA8-A9FE-E9EC728A162C}"/>
+                <a16:creationId xmlns="" xmlns:a16="http://schemas.microsoft.com/office/drawing/2014/main" id="{29B09B99-CF33-4CA8-A9FE-E9EC728A162C}"/>
               </a:ext>
             </a:extLst>
           </p:cNvPr>
@@ -21058,7 +21058,7 @@
           <p:cNvPr id="4" name="Rectangle 1">
             <a:extLst>
               <a:ext uri="{FF2B5EF4-FFF2-40B4-BE49-F238E27FC236}">
-                <a16:creationId xmlns:a16="http://schemas.microsoft.com/office/drawing/2014/main" xmlns="" id="{73C832A9-ADD6-4AC2-9511-6595D6C8633B}"/>
+                <a16:creationId xmlns="" xmlns:a16="http://schemas.microsoft.com/office/drawing/2014/main" id="{73C832A9-ADD6-4AC2-9511-6595D6C8633B}"/>
               </a:ext>
             </a:extLst>
           </p:cNvPr>
@@ -21749,7 +21749,7 @@
           <p:cNvPr id="2" name="Title 1">
             <a:extLst>
               <a:ext uri="{FF2B5EF4-FFF2-40B4-BE49-F238E27FC236}">
-                <a16:creationId xmlns:a16="http://schemas.microsoft.com/office/drawing/2014/main" xmlns="" id="{11D6D818-71CB-4714-A0C3-6A114E630815}"/>
+                <a16:creationId xmlns="" xmlns:a16="http://schemas.microsoft.com/office/drawing/2014/main" id="{11D6D818-71CB-4714-A0C3-6A114E630815}"/>
               </a:ext>
             </a:extLst>
           </p:cNvPr>
@@ -21777,7 +21777,7 @@
           <p:cNvPr id="3" name="Text Placeholder 2">
             <a:extLst>
               <a:ext uri="{FF2B5EF4-FFF2-40B4-BE49-F238E27FC236}">
-                <a16:creationId xmlns:a16="http://schemas.microsoft.com/office/drawing/2014/main" xmlns="" id="{187802C4-E46A-43C7-A1C6-A69D3E9C55D0}"/>
+                <a16:creationId xmlns="" xmlns:a16="http://schemas.microsoft.com/office/drawing/2014/main" id="{187802C4-E46A-43C7-A1C6-A69D3E9C55D0}"/>
               </a:ext>
             </a:extLst>
           </p:cNvPr>
@@ -21847,7 +21847,7 @@
           <p:cNvPr id="7" name="Rectangle 3">
             <a:extLst>
               <a:ext uri="{FF2B5EF4-FFF2-40B4-BE49-F238E27FC236}">
-                <a16:creationId xmlns:a16="http://schemas.microsoft.com/office/drawing/2014/main" xmlns="" id="{7B8C80A4-98FF-4A6D-BA2E-799E8ADAA95A}"/>
+                <a16:creationId xmlns="" xmlns:a16="http://schemas.microsoft.com/office/drawing/2014/main" id="{7B8C80A4-98FF-4A6D-BA2E-799E8ADAA95A}"/>
               </a:ext>
             </a:extLst>
           </p:cNvPr>
@@ -22001,7 +22001,7 @@
           <p:cNvPr id="6" name="Rectangle 1">
             <a:extLst>
               <a:ext uri="{FF2B5EF4-FFF2-40B4-BE49-F238E27FC236}">
-                <a16:creationId xmlns:a16="http://schemas.microsoft.com/office/drawing/2014/main" xmlns="" id="{FA6E62D8-8BF6-49B4-8FA8-CC72826FE194}"/>
+                <a16:creationId xmlns="" xmlns:a16="http://schemas.microsoft.com/office/drawing/2014/main" id="{FA6E62D8-8BF6-49B4-8FA8-CC72826FE194}"/>
               </a:ext>
             </a:extLst>
           </p:cNvPr>
@@ -22232,7 +22232,7 @@
           <p:cNvPr id="8" name="Rectangle 2">
             <a:extLst>
               <a:ext uri="{FF2B5EF4-FFF2-40B4-BE49-F238E27FC236}">
-                <a16:creationId xmlns:a16="http://schemas.microsoft.com/office/drawing/2014/main" xmlns="" id="{FE2E31D8-5B27-4DA9-A001-A91F50950B5A}"/>
+                <a16:creationId xmlns="" xmlns:a16="http://schemas.microsoft.com/office/drawing/2014/main" id="{FE2E31D8-5B27-4DA9-A001-A91F50950B5A}"/>
               </a:ext>
             </a:extLst>
           </p:cNvPr>
@@ -22410,7 +22410,7 @@
           <p:cNvPr id="2" name="Title 1">
             <a:extLst>
               <a:ext uri="{FF2B5EF4-FFF2-40B4-BE49-F238E27FC236}">
-                <a16:creationId xmlns:a16="http://schemas.microsoft.com/office/drawing/2014/main" xmlns="" id="{27F4D9AF-2FDE-4262-908C-3B3F664902E3}"/>
+                <a16:creationId xmlns="" xmlns:a16="http://schemas.microsoft.com/office/drawing/2014/main" id="{27F4D9AF-2FDE-4262-908C-3B3F664902E3}"/>
               </a:ext>
             </a:extLst>
           </p:cNvPr>
@@ -22438,7 +22438,7 @@
           <p:cNvPr id="3" name="Text Placeholder 2">
             <a:extLst>
               <a:ext uri="{FF2B5EF4-FFF2-40B4-BE49-F238E27FC236}">
-                <a16:creationId xmlns:a16="http://schemas.microsoft.com/office/drawing/2014/main" xmlns="" id="{AD8DEB00-95A9-47B2-A677-626D4C151A11}"/>
+                <a16:creationId xmlns="" xmlns:a16="http://schemas.microsoft.com/office/drawing/2014/main" id="{AD8DEB00-95A9-47B2-A677-626D4C151A11}"/>
               </a:ext>
             </a:extLst>
           </p:cNvPr>
@@ -22531,7 +22531,7 @@
           <p:cNvPr id="2" name="Title 1">
             <a:extLst>
               <a:ext uri="{FF2B5EF4-FFF2-40B4-BE49-F238E27FC236}">
-                <a16:creationId xmlns:a16="http://schemas.microsoft.com/office/drawing/2014/main" xmlns="" id="{D93A22B0-9761-439B-8A90-A371BFD0AEBC}"/>
+                <a16:creationId xmlns="" xmlns:a16="http://schemas.microsoft.com/office/drawing/2014/main" id="{D93A22B0-9761-439B-8A90-A371BFD0AEBC}"/>
               </a:ext>
             </a:extLst>
           </p:cNvPr>
@@ -22559,7 +22559,7 @@
           <p:cNvPr id="3" name="Text Placeholder 2">
             <a:extLst>
               <a:ext uri="{FF2B5EF4-FFF2-40B4-BE49-F238E27FC236}">
-                <a16:creationId xmlns:a16="http://schemas.microsoft.com/office/drawing/2014/main" xmlns="" id="{FA794F02-9AF8-4D40-9D42-6185AD454A3C}"/>
+                <a16:creationId xmlns="" xmlns:a16="http://schemas.microsoft.com/office/drawing/2014/main" id="{FA794F02-9AF8-4D40-9D42-6185AD454A3C}"/>
               </a:ext>
             </a:extLst>
           </p:cNvPr>
@@ -22584,7 +22584,7 @@
           <p:cNvPr id="4" name="Picture 3">
             <a:extLst>
               <a:ext uri="{FF2B5EF4-FFF2-40B4-BE49-F238E27FC236}">
-                <a16:creationId xmlns:a16="http://schemas.microsoft.com/office/drawing/2014/main" xmlns="" id="{8EC16C80-BAE1-4F9F-89CB-C86DE13B0BD7}"/>
+                <a16:creationId xmlns="" xmlns:a16="http://schemas.microsoft.com/office/drawing/2014/main" id="{8EC16C80-BAE1-4F9F-89CB-C86DE13B0BD7}"/>
               </a:ext>
             </a:extLst>
           </p:cNvPr>
@@ -22614,7 +22614,7 @@
           <p:cNvPr id="5" name="Picture 4">
             <a:extLst>
               <a:ext uri="{FF2B5EF4-FFF2-40B4-BE49-F238E27FC236}">
-                <a16:creationId xmlns:a16="http://schemas.microsoft.com/office/drawing/2014/main" xmlns="" id="{15B53C62-95DF-414B-970E-2A372E686472}"/>
+                <a16:creationId xmlns="" xmlns:a16="http://schemas.microsoft.com/office/drawing/2014/main" id="{15B53C62-95DF-414B-970E-2A372E686472}"/>
               </a:ext>
             </a:extLst>
           </p:cNvPr>
@@ -22681,7 +22681,7 @@
           <p:cNvPr id="2" name="Title 1">
             <a:extLst>
               <a:ext uri="{FF2B5EF4-FFF2-40B4-BE49-F238E27FC236}">
-                <a16:creationId xmlns:a16="http://schemas.microsoft.com/office/drawing/2014/main" xmlns="" id="{B3B2A382-6B82-467F-B436-66D1FF191ED6}"/>
+                <a16:creationId xmlns="" xmlns:a16="http://schemas.microsoft.com/office/drawing/2014/main" id="{B3B2A382-6B82-467F-B436-66D1FF191ED6}"/>
               </a:ext>
             </a:extLst>
           </p:cNvPr>
@@ -22715,7 +22715,7 @@
           <p:cNvPr id="3" name="Text Placeholder 2">
             <a:extLst>
               <a:ext uri="{FF2B5EF4-FFF2-40B4-BE49-F238E27FC236}">
-                <a16:creationId xmlns:a16="http://schemas.microsoft.com/office/drawing/2014/main" xmlns="" id="{11E077B5-31E7-43D2-AD52-3EE275DA6221}"/>
+                <a16:creationId xmlns="" xmlns:a16="http://schemas.microsoft.com/office/drawing/2014/main" id="{11E077B5-31E7-43D2-AD52-3EE275DA6221}"/>
               </a:ext>
             </a:extLst>
           </p:cNvPr>
@@ -22831,7 +22831,7 @@
           <p:cNvPr id="2" name="Title 1">
             <a:extLst>
               <a:ext uri="{FF2B5EF4-FFF2-40B4-BE49-F238E27FC236}">
-                <a16:creationId xmlns:a16="http://schemas.microsoft.com/office/drawing/2014/main" xmlns="" id="{D47065CF-F02E-4D1A-8AE5-096AEAAC2BA6}"/>
+                <a16:creationId xmlns="" xmlns:a16="http://schemas.microsoft.com/office/drawing/2014/main" id="{D47065CF-F02E-4D1A-8AE5-096AEAAC2BA6}"/>
               </a:ext>
             </a:extLst>
           </p:cNvPr>
@@ -22860,7 +22860,7 @@
           <p:cNvPr id="3" name="Text Placeholder 2">
             <a:extLst>
               <a:ext uri="{FF2B5EF4-FFF2-40B4-BE49-F238E27FC236}">
-                <a16:creationId xmlns:a16="http://schemas.microsoft.com/office/drawing/2014/main" xmlns="" id="{9C36295E-06B3-4009-85F9-72B3B7986D75}"/>
+                <a16:creationId xmlns="" xmlns:a16="http://schemas.microsoft.com/office/drawing/2014/main" id="{9C36295E-06B3-4009-85F9-72B3B7986D75}"/>
               </a:ext>
             </a:extLst>
           </p:cNvPr>
@@ -22960,7 +22960,7 @@
           <p:cNvPr id="2" name="Title 1">
             <a:extLst>
               <a:ext uri="{FF2B5EF4-FFF2-40B4-BE49-F238E27FC236}">
-                <a16:creationId xmlns:a16="http://schemas.microsoft.com/office/drawing/2014/main" xmlns="" id="{C12A1E09-431E-47C3-A688-9FCC7701A9E0}"/>
+                <a16:creationId xmlns="" xmlns:a16="http://schemas.microsoft.com/office/drawing/2014/main" id="{C12A1E09-431E-47C3-A688-9FCC7701A9E0}"/>
               </a:ext>
             </a:extLst>
           </p:cNvPr>
@@ -22989,7 +22989,7 @@
           <p:cNvPr id="3" name="Text Placeholder 2">
             <a:extLst>
               <a:ext uri="{FF2B5EF4-FFF2-40B4-BE49-F238E27FC236}">
-                <a16:creationId xmlns:a16="http://schemas.microsoft.com/office/drawing/2014/main" xmlns="" id="{E4ADAEC3-381C-4220-860B-76787CB748C9}"/>
+                <a16:creationId xmlns="" xmlns:a16="http://schemas.microsoft.com/office/drawing/2014/main" id="{E4ADAEC3-381C-4220-860B-76787CB748C9}"/>
               </a:ext>
             </a:extLst>
           </p:cNvPr>
@@ -23037,7 +23037,7 @@
           <p:cNvPr id="4" name="Rectangle 1">
             <a:extLst>
               <a:ext uri="{FF2B5EF4-FFF2-40B4-BE49-F238E27FC236}">
-                <a16:creationId xmlns:a16="http://schemas.microsoft.com/office/drawing/2014/main" xmlns="" id="{B0B57B55-6982-4719-8F10-5D3CEA3CF131}"/>
+                <a16:creationId xmlns="" xmlns:a16="http://schemas.microsoft.com/office/drawing/2014/main" id="{B0B57B55-6982-4719-8F10-5D3CEA3CF131}"/>
               </a:ext>
             </a:extLst>
           </p:cNvPr>
@@ -23652,7 +23652,7 @@
           <p:cNvPr id="7" name="Rectangle 1">
             <a:extLst>
               <a:ext uri="{FF2B5EF4-FFF2-40B4-BE49-F238E27FC236}">
-                <a16:creationId xmlns:a16="http://schemas.microsoft.com/office/drawing/2014/main" xmlns="" id="{489CA333-3A41-4720-9260-462EF8E07ABE}"/>
+                <a16:creationId xmlns="" xmlns:a16="http://schemas.microsoft.com/office/drawing/2014/main" id="{489CA333-3A41-4720-9260-462EF8E07ABE}"/>
               </a:ext>
             </a:extLst>
           </p:cNvPr>
@@ -24820,7 +24820,7 @@
           <p:cNvPr id="2" name="Title 1">
             <a:extLst>
               <a:ext uri="{FF2B5EF4-FFF2-40B4-BE49-F238E27FC236}">
-                <a16:creationId xmlns:a16="http://schemas.microsoft.com/office/drawing/2014/main" xmlns="" id="{5DAEC868-76AA-4180-B508-44928D4AA256}"/>
+                <a16:creationId xmlns="" xmlns:a16="http://schemas.microsoft.com/office/drawing/2014/main" id="{5DAEC868-76AA-4180-B508-44928D4AA256}"/>
               </a:ext>
             </a:extLst>
           </p:cNvPr>
@@ -24849,7 +24849,7 @@
           <p:cNvPr id="3" name="Text Placeholder 2">
             <a:extLst>
               <a:ext uri="{FF2B5EF4-FFF2-40B4-BE49-F238E27FC236}">
-                <a16:creationId xmlns:a16="http://schemas.microsoft.com/office/drawing/2014/main" xmlns="" id="{1A8AB674-F81C-49A0-A903-7D3BC6B5B15C}"/>
+                <a16:creationId xmlns="" xmlns:a16="http://schemas.microsoft.com/office/drawing/2014/main" id="{1A8AB674-F81C-49A0-A903-7D3BC6B5B15C}"/>
               </a:ext>
             </a:extLst>
           </p:cNvPr>
@@ -24897,7 +24897,7 @@
           <p:cNvPr id="4" name="Rectangle 1">
             <a:extLst>
               <a:ext uri="{FF2B5EF4-FFF2-40B4-BE49-F238E27FC236}">
-                <a16:creationId xmlns:a16="http://schemas.microsoft.com/office/drawing/2014/main" xmlns="" id="{071D8593-2C75-4B4B-9B40-3DE9332AF842}"/>
+                <a16:creationId xmlns="" xmlns:a16="http://schemas.microsoft.com/office/drawing/2014/main" id="{071D8593-2C75-4B4B-9B40-3DE9332AF842}"/>
               </a:ext>
             </a:extLst>
           </p:cNvPr>
@@ -25834,7 +25834,7 @@
           <p:cNvPr id="5" name="Rectangle 2">
             <a:extLst>
               <a:ext uri="{FF2B5EF4-FFF2-40B4-BE49-F238E27FC236}">
-                <a16:creationId xmlns:a16="http://schemas.microsoft.com/office/drawing/2014/main" xmlns="" id="{6B8B5A86-45A2-4A58-A790-63309463C4D0}"/>
+                <a16:creationId xmlns="" xmlns:a16="http://schemas.microsoft.com/office/drawing/2014/main" id="{6B8B5A86-45A2-4A58-A790-63309463C4D0}"/>
               </a:ext>
             </a:extLst>
           </p:cNvPr>
@@ -27095,8 +27095,46 @@
           <a:p>
             <a:r>
               <a:rPr lang="en-US" dirty="0"/>
-              <a:t>SQL Tutorials book</a:t>
-            </a:r>
+              <a:t>SQL Tutorials </a:t>
+            </a:r>
+            <a:r>
+              <a:rPr lang="en-US" dirty="0" smtClean="0"/>
+              <a:t>book</a:t>
+            </a:r>
+            <a:endParaRPr lang="vi-VN" dirty="0" smtClean="0"/>
+          </a:p>
+          <a:p>
+            <a:r>
+              <a:rPr lang="vi-VN" dirty="0" smtClean="0"/>
+              <a:t>Github</a:t>
+            </a:r>
+          </a:p>
+          <a:p>
+            <a:pPr lvl="1"/>
+            <a:r>
+              <a:rPr lang="vi-VN">
+                <a:hlinkClick r:id="rId3"/>
+              </a:rPr>
+              <a:t>https</a:t>
+            </a:r>
+            <a:r>
+              <a:rPr lang="vi-VN">
+                <a:hlinkClick r:id="rId3"/>
+              </a:rPr>
+              <a:t>://</a:t>
+            </a:r>
+            <a:r>
+              <a:rPr lang="vi-VN" smtClean="0">
+                <a:hlinkClick r:id="rId3"/>
+              </a:rPr>
+              <a:t>github.com/giaule91/database-training.git</a:t>
+            </a:r>
+            <a:endParaRPr lang="vi-VN" smtClean="0"/>
+          </a:p>
+          <a:p>
+            <a:pPr marL="571500" lvl="1" indent="0">
+              <a:buNone/>
+            </a:pPr>
             <a:endParaRPr lang="vi-VN" dirty="0"/>
           </a:p>
           <a:p>
@@ -27149,7 +27187,7 @@
           <p:cNvPr id="2" name="Title 1">
             <a:extLst>
               <a:ext uri="{FF2B5EF4-FFF2-40B4-BE49-F238E27FC236}">
-                <a16:creationId xmlns:a16="http://schemas.microsoft.com/office/drawing/2014/main" xmlns="" id="{9F43F429-CDF4-40DB-8DDA-B4EDB7D64EA2}"/>
+                <a16:creationId xmlns="" xmlns:a16="http://schemas.microsoft.com/office/drawing/2014/main" id="{9F43F429-CDF4-40DB-8DDA-B4EDB7D64EA2}"/>
               </a:ext>
             </a:extLst>
           </p:cNvPr>
@@ -27183,7 +27221,7 @@
           <p:cNvPr id="3" name="Text Placeholder 2">
             <a:extLst>
               <a:ext uri="{FF2B5EF4-FFF2-40B4-BE49-F238E27FC236}">
-                <a16:creationId xmlns:a16="http://schemas.microsoft.com/office/drawing/2014/main" xmlns="" id="{CE501CFF-CAE4-443D-867F-7A42ED1778CD}"/>
+                <a16:creationId xmlns="" xmlns:a16="http://schemas.microsoft.com/office/drawing/2014/main" id="{CE501CFF-CAE4-443D-867F-7A42ED1778CD}"/>
               </a:ext>
             </a:extLst>
           </p:cNvPr>
@@ -27306,7 +27344,7 @@
           <p:cNvPr id="2" name="Title 1">
             <a:extLst>
               <a:ext uri="{FF2B5EF4-FFF2-40B4-BE49-F238E27FC236}">
-                <a16:creationId xmlns:a16="http://schemas.microsoft.com/office/drawing/2014/main" xmlns="" id="{D1C42D7D-59C8-4353-8FD0-E4AC8D2A85BB}"/>
+                <a16:creationId xmlns="" xmlns:a16="http://schemas.microsoft.com/office/drawing/2014/main" id="{D1C42D7D-59C8-4353-8FD0-E4AC8D2A85BB}"/>
               </a:ext>
             </a:extLst>
           </p:cNvPr>
@@ -27342,7 +27380,7 @@
           <p:cNvPr id="3" name="Text Placeholder 2">
             <a:extLst>
               <a:ext uri="{FF2B5EF4-FFF2-40B4-BE49-F238E27FC236}">
-                <a16:creationId xmlns:a16="http://schemas.microsoft.com/office/drawing/2014/main" xmlns="" id="{C60E4D88-2FA8-47D2-A823-7CA9EF90EA36}"/>
+                <a16:creationId xmlns="" xmlns:a16="http://schemas.microsoft.com/office/drawing/2014/main" id="{C60E4D88-2FA8-47D2-A823-7CA9EF90EA36}"/>
               </a:ext>
             </a:extLst>
           </p:cNvPr>
@@ -27484,7 +27522,7 @@
           <p:cNvPr id="2" name="Title 1">
             <a:extLst>
               <a:ext uri="{FF2B5EF4-FFF2-40B4-BE49-F238E27FC236}">
-                <a16:creationId xmlns:a16="http://schemas.microsoft.com/office/drawing/2014/main" xmlns="" id="{4DC11100-FCC0-4645-89BC-D4FB659CE7B6}"/>
+                <a16:creationId xmlns="" xmlns:a16="http://schemas.microsoft.com/office/drawing/2014/main" id="{4DC11100-FCC0-4645-89BC-D4FB659CE7B6}"/>
               </a:ext>
             </a:extLst>
           </p:cNvPr>
@@ -27512,7 +27550,7 @@
           <p:cNvPr id="3" name="Text Placeholder 2">
             <a:extLst>
               <a:ext uri="{FF2B5EF4-FFF2-40B4-BE49-F238E27FC236}">
-                <a16:creationId xmlns:a16="http://schemas.microsoft.com/office/drawing/2014/main" xmlns="" id="{2DC861FF-6059-4D4F-B938-20E6569E9DF7}"/>
+                <a16:creationId xmlns="" xmlns:a16="http://schemas.microsoft.com/office/drawing/2014/main" id="{2DC861FF-6059-4D4F-B938-20E6569E9DF7}"/>
               </a:ext>
             </a:extLst>
           </p:cNvPr>
@@ -27537,7 +27575,7 @@
           <p:cNvPr id="9218" name="Picture 2" descr="Không có mô tả ảnh.">
             <a:extLst>
               <a:ext uri="{FF2B5EF4-FFF2-40B4-BE49-F238E27FC236}">
-                <a16:creationId xmlns:a16="http://schemas.microsoft.com/office/drawing/2014/main" xmlns="" id="{C38A8D2C-2F2F-4F61-BC64-A65135EF16BF}"/>
+                <a16:creationId xmlns="" xmlns:a16="http://schemas.microsoft.com/office/drawing/2014/main" id="{C38A8D2C-2F2F-4F61-BC64-A65135EF16BF}"/>
               </a:ext>
             </a:extLst>
           </p:cNvPr>
@@ -27621,7 +27659,7 @@
           <p:cNvPr id="2" name="Title 1">
             <a:extLst>
               <a:ext uri="{FF2B5EF4-FFF2-40B4-BE49-F238E27FC236}">
-                <a16:creationId xmlns:a16="http://schemas.microsoft.com/office/drawing/2014/main" xmlns="" id="{793160F5-857A-4F47-816E-ED9EAAB926E3}"/>
+                <a16:creationId xmlns="" xmlns:a16="http://schemas.microsoft.com/office/drawing/2014/main" id="{793160F5-857A-4F47-816E-ED9EAAB926E3}"/>
               </a:ext>
             </a:extLst>
           </p:cNvPr>
@@ -27650,7 +27688,7 @@
           <p:cNvPr id="3" name="Text Placeholder 2">
             <a:extLst>
               <a:ext uri="{FF2B5EF4-FFF2-40B4-BE49-F238E27FC236}">
-                <a16:creationId xmlns:a16="http://schemas.microsoft.com/office/drawing/2014/main" xmlns="" id="{03BDBBF9-4912-4FCB-85BF-8231245E4079}"/>
+                <a16:creationId xmlns="" xmlns:a16="http://schemas.microsoft.com/office/drawing/2014/main" id="{03BDBBF9-4912-4FCB-85BF-8231245E4079}"/>
               </a:ext>
             </a:extLst>
           </p:cNvPr>
@@ -28554,7 +28592,7 @@
           <p:cNvPr id="2" name="Title 1">
             <a:extLst>
               <a:ext uri="{FF2B5EF4-FFF2-40B4-BE49-F238E27FC236}">
-                <a16:creationId xmlns:a16="http://schemas.microsoft.com/office/drawing/2014/main" xmlns="" id="{ECE4D917-98CD-4459-A441-795D5CBF68E6}"/>
+                <a16:creationId xmlns="" xmlns:a16="http://schemas.microsoft.com/office/drawing/2014/main" id="{ECE4D917-98CD-4459-A441-795D5CBF68E6}"/>
               </a:ext>
             </a:extLst>
           </p:cNvPr>
@@ -28583,7 +28621,7 @@
           <p:cNvPr id="3" name="Text Placeholder 2">
             <a:extLst>
               <a:ext uri="{FF2B5EF4-FFF2-40B4-BE49-F238E27FC236}">
-                <a16:creationId xmlns:a16="http://schemas.microsoft.com/office/drawing/2014/main" xmlns="" id="{C17526F1-D347-43DF-B8E7-CF316F34908E}"/>
+                <a16:creationId xmlns="" xmlns:a16="http://schemas.microsoft.com/office/drawing/2014/main" id="{C17526F1-D347-43DF-B8E7-CF316F34908E}"/>
               </a:ext>
             </a:extLst>
           </p:cNvPr>
@@ -29337,7 +29375,7 @@
           <p:cNvPr id="2" name="Title 1">
             <a:extLst>
               <a:ext uri="{FF2B5EF4-FFF2-40B4-BE49-F238E27FC236}">
-                <a16:creationId xmlns:a16="http://schemas.microsoft.com/office/drawing/2014/main" xmlns="" id="{D6BC02B4-D959-4DAA-986D-4E4132080D88}"/>
+                <a16:creationId xmlns="" xmlns:a16="http://schemas.microsoft.com/office/drawing/2014/main" id="{D6BC02B4-D959-4DAA-986D-4E4132080D88}"/>
               </a:ext>
             </a:extLst>
           </p:cNvPr>
@@ -29366,7 +29404,7 @@
           <p:cNvPr id="3" name="Text Placeholder 2">
             <a:extLst>
               <a:ext uri="{FF2B5EF4-FFF2-40B4-BE49-F238E27FC236}">
-                <a16:creationId xmlns:a16="http://schemas.microsoft.com/office/drawing/2014/main" xmlns="" id="{207CCEC7-6F9A-483D-B060-088BF133BAB3}"/>
+                <a16:creationId xmlns="" xmlns:a16="http://schemas.microsoft.com/office/drawing/2014/main" id="{207CCEC7-6F9A-483D-B060-088BF133BAB3}"/>
               </a:ext>
             </a:extLst>
           </p:cNvPr>
@@ -29391,7 +29429,7 @@
           <p:cNvPr id="1026" name="Picture 2">
             <a:extLst>
               <a:ext uri="{FF2B5EF4-FFF2-40B4-BE49-F238E27FC236}">
-                <a16:creationId xmlns:a16="http://schemas.microsoft.com/office/drawing/2014/main" xmlns="" id="{739AB989-1576-41F8-A770-0BB207D8511A}"/>
+                <a16:creationId xmlns="" xmlns:a16="http://schemas.microsoft.com/office/drawing/2014/main" id="{739AB989-1576-41F8-A770-0BB207D8511A}"/>
               </a:ext>
             </a:extLst>
           </p:cNvPr>
@@ -29475,7 +29513,7 @@
           <p:cNvPr id="2" name="Title 1">
             <a:extLst>
               <a:ext uri="{FF2B5EF4-FFF2-40B4-BE49-F238E27FC236}">
-                <a16:creationId xmlns:a16="http://schemas.microsoft.com/office/drawing/2014/main" xmlns="" id="{A891D5ED-31E0-46D6-A179-14A45ED29A18}"/>
+                <a16:creationId xmlns="" xmlns:a16="http://schemas.microsoft.com/office/drawing/2014/main" id="{A891D5ED-31E0-46D6-A179-14A45ED29A18}"/>
               </a:ext>
             </a:extLst>
           </p:cNvPr>
@@ -29509,7 +29547,7 @@
           <p:cNvPr id="3" name="Text Placeholder 2">
             <a:extLst>
               <a:ext uri="{FF2B5EF4-FFF2-40B4-BE49-F238E27FC236}">
-                <a16:creationId xmlns:a16="http://schemas.microsoft.com/office/drawing/2014/main" xmlns="" id="{6B414B20-3B3A-45A7-8502-46456FF0996F}"/>
+                <a16:creationId xmlns="" xmlns:a16="http://schemas.microsoft.com/office/drawing/2014/main" id="{6B414B20-3B3A-45A7-8502-46456FF0996F}"/>
               </a:ext>
             </a:extLst>
           </p:cNvPr>
@@ -29620,7 +29658,7 @@
           <p:cNvPr id="2" name="Title 1">
             <a:extLst>
               <a:ext uri="{FF2B5EF4-FFF2-40B4-BE49-F238E27FC236}">
-                <a16:creationId xmlns:a16="http://schemas.microsoft.com/office/drawing/2014/main" xmlns="" id="{E341E90E-5183-47F9-A498-3AAA7F81D417}"/>
+                <a16:creationId xmlns="" xmlns:a16="http://schemas.microsoft.com/office/drawing/2014/main" id="{E341E90E-5183-47F9-A498-3AAA7F81D417}"/>
               </a:ext>
             </a:extLst>
           </p:cNvPr>
@@ -29649,7 +29687,7 @@
           <p:cNvPr id="3" name="Text Placeholder 2">
             <a:extLst>
               <a:ext uri="{FF2B5EF4-FFF2-40B4-BE49-F238E27FC236}">
-                <a16:creationId xmlns:a16="http://schemas.microsoft.com/office/drawing/2014/main" xmlns="" id="{2AD783C4-13D3-4CC8-9438-72D7C3DC7F13}"/>
+                <a16:creationId xmlns="" xmlns:a16="http://schemas.microsoft.com/office/drawing/2014/main" id="{2AD783C4-13D3-4CC8-9438-72D7C3DC7F13}"/>
               </a:ext>
             </a:extLst>
           </p:cNvPr>
@@ -29725,7 +29763,7 @@
               <a:hlinkClick r:id="rId3">
                 <a:extLst>
                   <a:ext uri="{A12FA001-AC4F-418D-AE19-62706E023703}">
-                    <ahyp:hlinkClr xmlns:ahyp="http://schemas.microsoft.com/office/drawing/2018/hyperlinkcolor" xmlns="" val="tx"/>
+                    <ahyp:hlinkClr xmlns="" xmlns:ahyp="http://schemas.microsoft.com/office/drawing/2018/hyperlinkcolor" val="tx"/>
                   </a:ext>
                 </a:extLst>
               </a:hlinkClick>
@@ -29785,7 +29823,7 @@
           <p:cNvPr id="2" name="Title 1">
             <a:extLst>
               <a:ext uri="{FF2B5EF4-FFF2-40B4-BE49-F238E27FC236}">
-                <a16:creationId xmlns:a16="http://schemas.microsoft.com/office/drawing/2014/main" xmlns="" id="{D7DE1099-F8EA-4A23-A1EF-314D31EED3AC}"/>
+                <a16:creationId xmlns="" xmlns:a16="http://schemas.microsoft.com/office/drawing/2014/main" id="{D7DE1099-F8EA-4A23-A1EF-314D31EED3AC}"/>
               </a:ext>
             </a:extLst>
           </p:cNvPr>
@@ -29813,7 +29851,7 @@
           <p:cNvPr id="3" name="Text Placeholder 2">
             <a:extLst>
               <a:ext uri="{FF2B5EF4-FFF2-40B4-BE49-F238E27FC236}">
-                <a16:creationId xmlns:a16="http://schemas.microsoft.com/office/drawing/2014/main" xmlns="" id="{59CC8BF2-B6DA-4352-BCF0-7DB8A47DF170}"/>
+                <a16:creationId xmlns="" xmlns:a16="http://schemas.microsoft.com/office/drawing/2014/main" id="{59CC8BF2-B6DA-4352-BCF0-7DB8A47DF170}"/>
               </a:ext>
             </a:extLst>
           </p:cNvPr>
@@ -29872,7 +29910,7 @@
           <p:cNvPr id="4" name="Picture 3">
             <a:extLst>
               <a:ext uri="{FF2B5EF4-FFF2-40B4-BE49-F238E27FC236}">
-                <a16:creationId xmlns:a16="http://schemas.microsoft.com/office/drawing/2014/main" xmlns="" id="{F835B25E-B958-45FB-8E31-5987639EAD25}"/>
+                <a16:creationId xmlns="" xmlns:a16="http://schemas.microsoft.com/office/drawing/2014/main" id="{F835B25E-B958-45FB-8E31-5987639EAD25}"/>
               </a:ext>
             </a:extLst>
           </p:cNvPr>
